--- a/Activity Diagram/post_activity.pptx
+++ b/Activity Diagram/post_activity.pptx
@@ -104,6 +104,11 @@
       </a:defRPr>
     </a:lvl9pPr>
   </p:defaultTextStyle>
+  <p:extLst>
+    <p:ext uri="{EFAFB233-063F-42B5-8137-9DF3F51BA10A}">
+      <p15:sldGuideLst xmlns:p15="http://schemas.microsoft.com/office/powerpoint/2012/main"/>
+    </p:ext>
+  </p:extLst>
 </p:presentation>
 </file>
 
@@ -254,7 +259,7 @@
           <a:p>
             <a:fld id="{62E2F8A4-2D3D-45FE-A7EA-30876C452C52}" type="datetimeFigureOut">
               <a:rPr lang="en-US" smtClean="0"/>
-              <a:t>5/18/2025</a:t>
+              <a:t>5/22/2025</a:t>
             </a:fld>
             <a:endParaRPr lang="en-US"/>
           </a:p>
@@ -452,7 +457,7 @@
           <a:p>
             <a:fld id="{62E2F8A4-2D3D-45FE-A7EA-30876C452C52}" type="datetimeFigureOut">
               <a:rPr lang="en-US" smtClean="0"/>
-              <a:t>5/18/2025</a:t>
+              <a:t>5/22/2025</a:t>
             </a:fld>
             <a:endParaRPr lang="en-US"/>
           </a:p>
@@ -660,7 +665,7 @@
           <a:p>
             <a:fld id="{62E2F8A4-2D3D-45FE-A7EA-30876C452C52}" type="datetimeFigureOut">
               <a:rPr lang="en-US" smtClean="0"/>
-              <a:t>5/18/2025</a:t>
+              <a:t>5/22/2025</a:t>
             </a:fld>
             <a:endParaRPr lang="en-US"/>
           </a:p>
@@ -858,7 +863,7 @@
           <a:p>
             <a:fld id="{62E2F8A4-2D3D-45FE-A7EA-30876C452C52}" type="datetimeFigureOut">
               <a:rPr lang="en-US" smtClean="0"/>
-              <a:t>5/18/2025</a:t>
+              <a:t>5/22/2025</a:t>
             </a:fld>
             <a:endParaRPr lang="en-US"/>
           </a:p>
@@ -1133,7 +1138,7 @@
           <a:p>
             <a:fld id="{62E2F8A4-2D3D-45FE-A7EA-30876C452C52}" type="datetimeFigureOut">
               <a:rPr lang="en-US" smtClean="0"/>
-              <a:t>5/18/2025</a:t>
+              <a:t>5/22/2025</a:t>
             </a:fld>
             <a:endParaRPr lang="en-US"/>
           </a:p>
@@ -1398,7 +1403,7 @@
           <a:p>
             <a:fld id="{62E2F8A4-2D3D-45FE-A7EA-30876C452C52}" type="datetimeFigureOut">
               <a:rPr lang="en-US" smtClean="0"/>
-              <a:t>5/18/2025</a:t>
+              <a:t>5/22/2025</a:t>
             </a:fld>
             <a:endParaRPr lang="en-US"/>
           </a:p>
@@ -1810,7 +1815,7 @@
           <a:p>
             <a:fld id="{62E2F8A4-2D3D-45FE-A7EA-30876C452C52}" type="datetimeFigureOut">
               <a:rPr lang="en-US" smtClean="0"/>
-              <a:t>5/18/2025</a:t>
+              <a:t>5/22/2025</a:t>
             </a:fld>
             <a:endParaRPr lang="en-US"/>
           </a:p>
@@ -1951,7 +1956,7 @@
           <a:p>
             <a:fld id="{62E2F8A4-2D3D-45FE-A7EA-30876C452C52}" type="datetimeFigureOut">
               <a:rPr lang="en-US" smtClean="0"/>
-              <a:t>5/18/2025</a:t>
+              <a:t>5/22/2025</a:t>
             </a:fld>
             <a:endParaRPr lang="en-US"/>
           </a:p>
@@ -2064,7 +2069,7 @@
           <a:p>
             <a:fld id="{62E2F8A4-2D3D-45FE-A7EA-30876C452C52}" type="datetimeFigureOut">
               <a:rPr lang="en-US" smtClean="0"/>
-              <a:t>5/18/2025</a:t>
+              <a:t>5/22/2025</a:t>
             </a:fld>
             <a:endParaRPr lang="en-US"/>
           </a:p>
@@ -2375,7 +2380,7 @@
           <a:p>
             <a:fld id="{62E2F8A4-2D3D-45FE-A7EA-30876C452C52}" type="datetimeFigureOut">
               <a:rPr lang="en-US" smtClean="0"/>
-              <a:t>5/18/2025</a:t>
+              <a:t>5/22/2025</a:t>
             </a:fld>
             <a:endParaRPr lang="en-US"/>
           </a:p>
@@ -2663,7 +2668,7 @@
           <a:p>
             <a:fld id="{62E2F8A4-2D3D-45FE-A7EA-30876C452C52}" type="datetimeFigureOut">
               <a:rPr lang="en-US" smtClean="0"/>
-              <a:t>5/18/2025</a:t>
+              <a:t>5/22/2025</a:t>
             </a:fld>
             <a:endParaRPr lang="en-US"/>
           </a:p>
@@ -2904,7 +2909,7 @@
           <a:p>
             <a:fld id="{62E2F8A4-2D3D-45FE-A7EA-30876C452C52}" type="datetimeFigureOut">
               <a:rPr lang="en-US" smtClean="0"/>
-              <a:t>5/18/2025</a:t>
+              <a:t>5/22/2025</a:t>
             </a:fld>
             <a:endParaRPr lang="en-US"/>
           </a:p>
@@ -3479,7 +3484,7 @@
         </p:nvSpPr>
         <p:spPr>
           <a:xfrm>
-            <a:off x="337888" y="828464"/>
+            <a:off x="316135" y="997005"/>
             <a:ext cx="191364" cy="181869"/>
           </a:xfrm>
           <a:prstGeom prst="ellipse">
@@ -3528,9 +3533,9 @@
           <p:nvPr/>
         </p:nvCxnSpPr>
         <p:spPr>
-          <a:xfrm>
-            <a:off x="529252" y="919399"/>
-            <a:ext cx="943866" cy="164015"/>
+          <a:xfrm flipV="1">
+            <a:off x="507499" y="1083414"/>
+            <a:ext cx="965619" cy="4526"/>
           </a:xfrm>
           <a:prstGeom prst="straightConnector1">
             <a:avLst/>
@@ -3639,8 +3644,8 @@
         </p:nvCxnSpPr>
         <p:spPr>
           <a:xfrm flipH="1">
-            <a:off x="3215123" y="1145852"/>
-            <a:ext cx="1390043" cy="1103906"/>
+            <a:off x="2777350" y="1145852"/>
+            <a:ext cx="1827816" cy="849052"/>
           </a:xfrm>
           <a:prstGeom prst="straightConnector1">
             <a:avLst/>
@@ -3678,7 +3683,7 @@
         </p:nvSpPr>
         <p:spPr>
           <a:xfrm>
-            <a:off x="1927516" y="3348336"/>
+            <a:off x="1132797" y="2949370"/>
             <a:ext cx="1042784" cy="791507"/>
           </a:xfrm>
           <a:prstGeom prst="diamond">
@@ -3879,8 +3884,8 @@
         </p:nvSpPr>
         <p:spPr>
           <a:xfrm>
-            <a:off x="989813" y="1910957"/>
-            <a:ext cx="2225310" cy="677602"/>
+            <a:off x="451148" y="1581477"/>
+            <a:ext cx="2326202" cy="826853"/>
           </a:xfrm>
           <a:prstGeom prst="roundRect">
             <a:avLst/>
@@ -3907,7 +3912,7 @@
             <a:pPr algn="ctr"/>
             <a:r>
               <a:rPr lang="en-US" dirty="0" err="1"/>
-              <a:t>Thêm</a:t>
+              <a:t>Thêm,xoá</a:t>
             </a:r>
             <a:r>
               <a:rPr lang="en-US" dirty="0"/>
@@ -3951,8 +3956,8 @@
         </p:nvSpPr>
         <p:spPr>
           <a:xfrm>
-            <a:off x="4787973" y="1995798"/>
-            <a:ext cx="2465333" cy="592761"/>
+            <a:off x="6806710" y="1681344"/>
+            <a:ext cx="1658679" cy="788144"/>
           </a:xfrm>
           <a:prstGeom prst="roundRect">
             <a:avLst/>
@@ -3985,6 +3990,14 @@
               <a:rPr lang="en-US" dirty="0" err="1"/>
               <a:t>lại</a:t>
             </a:r>
+            <a:r>
+              <a:rPr lang="en-US" dirty="0"/>
+              <a:t> </a:t>
+            </a:r>
+            <a:r>
+              <a:rPr lang="en-US" dirty="0" err="1"/>
+              <a:t>ui</a:t>
+            </a:r>
             <a:endParaRPr lang="en-US" dirty="0"/>
           </a:p>
         </p:txBody>
@@ -4003,7 +4016,7 @@
         </p:nvSpPr>
         <p:spPr>
           <a:xfrm>
-            <a:off x="2478402" y="6242110"/>
+            <a:off x="2458949" y="4988398"/>
             <a:ext cx="299037" cy="275842"/>
           </a:xfrm>
           <a:prstGeom prst="ellipse">
@@ -4047,7 +4060,7 @@
         </p:nvSpPr>
         <p:spPr>
           <a:xfrm>
-            <a:off x="2545971" y="6285829"/>
+            <a:off x="2526518" y="5032117"/>
             <a:ext cx="165937" cy="184097"/>
           </a:xfrm>
           <a:prstGeom prst="ellipse">
@@ -4079,42 +4092,6 @@
           </a:p>
         </p:txBody>
       </p:sp>
-      <p:sp>
-        <p:nvSpPr>
-          <p:cNvPr id="19" name="TextBox 18">
-            <a:extLst>
-              <a:ext uri="{FF2B5EF4-FFF2-40B4-BE49-F238E27FC236}">
-                <a16:creationId xmlns:a16="http://schemas.microsoft.com/office/drawing/2014/main" id="{AB0B67A4-0599-C709-D0F4-9C8D8CB9E5D5}"/>
-              </a:ext>
-            </a:extLst>
-          </p:cNvPr>
-          <p:cNvSpPr txBox="1"/>
-          <p:nvPr/>
-        </p:nvSpPr>
-        <p:spPr>
-          <a:xfrm rot="21106887">
-            <a:off x="342917" y="2981737"/>
-            <a:ext cx="970879" cy="276999"/>
-          </a:xfrm>
-          <a:prstGeom prst="rect">
-            <a:avLst/>
-          </a:prstGeom>
-          <a:noFill/>
-        </p:spPr>
-        <p:txBody>
-          <a:bodyPr wrap="square" rtlCol="0">
-            <a:spAutoFit/>
-          </a:bodyPr>
-          <a:lstStyle/>
-          <a:p>
-            <a:r>
-              <a:rPr lang="en-US" sz="1200" dirty="0" err="1"/>
-              <a:t>chán</a:t>
-            </a:r>
-            <a:endParaRPr lang="en-US" sz="1200" dirty="0"/>
-          </a:p>
-        </p:txBody>
-      </p:sp>
       <p:cxnSp>
         <p:nvCxnSpPr>
           <p:cNvPr id="20" name="Straight Connector 19">
@@ -4131,8 +4108,8 @@
         </p:nvCxnSpPr>
         <p:spPr>
           <a:xfrm>
-            <a:off x="10264484" y="-30408"/>
-            <a:ext cx="0" cy="7548995"/>
+            <a:off x="10637735" y="48900"/>
+            <a:ext cx="106235" cy="7628828"/>
           </a:xfrm>
           <a:prstGeom prst="line">
             <a:avLst/>
@@ -4167,7 +4144,7 @@
         </p:nvSpPr>
         <p:spPr>
           <a:xfrm>
-            <a:off x="10253512" y="127430"/>
+            <a:off x="10687388" y="108877"/>
             <a:ext cx="2763979" cy="369332"/>
           </a:xfrm>
           <a:prstGeom prst="rect">
@@ -4202,7 +4179,7 @@
         </p:nvSpPr>
         <p:spPr>
           <a:xfrm>
-            <a:off x="4757496" y="3022861"/>
+            <a:off x="4751318" y="2723479"/>
             <a:ext cx="1572851" cy="592761"/>
           </a:xfrm>
           <a:prstGeom prst="roundRect">
@@ -4269,7 +4246,7 @@
         </p:nvSpPr>
         <p:spPr>
           <a:xfrm>
-            <a:off x="1383518" y="4533060"/>
+            <a:off x="1135814" y="5487582"/>
             <a:ext cx="1686070" cy="592761"/>
           </a:xfrm>
           <a:prstGeom prst="roundRect">
@@ -4344,8 +4321,8 @@
         </p:nvCxnSpPr>
         <p:spPr>
           <a:xfrm flipH="1">
-            <a:off x="2970300" y="2292179"/>
-            <a:ext cx="1817673" cy="1451911"/>
+            <a:off x="2175581" y="2075416"/>
+            <a:ext cx="4631129" cy="1269708"/>
           </a:xfrm>
           <a:prstGeom prst="straightConnector1">
             <a:avLst/>
@@ -4385,8 +4362,8 @@
         </p:nvCxnSpPr>
         <p:spPr>
           <a:xfrm flipH="1">
-            <a:off x="6612021" y="4343259"/>
-            <a:ext cx="545328" cy="605576"/>
+            <a:off x="6991868" y="3894015"/>
+            <a:ext cx="6150" cy="671161"/>
           </a:xfrm>
           <a:prstGeom prst="line">
             <a:avLst/>
@@ -4421,7 +4398,7 @@
         </p:nvSpPr>
         <p:spPr>
           <a:xfrm>
-            <a:off x="8314228" y="4282725"/>
+            <a:off x="5857480" y="4923568"/>
             <a:ext cx="1557667" cy="788580"/>
           </a:xfrm>
           <a:prstGeom prst="roundRect">
@@ -4482,12 +4459,236 @@
           </a:p>
         </p:txBody>
       </p:sp>
-      <p:sp>
-        <p:nvSpPr>
-          <p:cNvPr id="27" name="Rectangle 26">
-            <a:extLst>
-              <a:ext uri="{FF2B5EF4-FFF2-40B4-BE49-F238E27FC236}">
-                <a16:creationId xmlns:a16="http://schemas.microsoft.com/office/drawing/2014/main" id="{EF3D0C13-BBFE-C27F-AB3B-42BE28CEA839}"/>
+      <p:cxnSp>
+        <p:nvCxnSpPr>
+          <p:cNvPr id="33" name="Straight Arrow Connector 32">
+            <a:extLst>
+              <a:ext uri="{FF2B5EF4-FFF2-40B4-BE49-F238E27FC236}">
+                <a16:creationId xmlns:a16="http://schemas.microsoft.com/office/drawing/2014/main" id="{8D9F0E29-C56C-4034-C967-DC4F83A7350D}"/>
+              </a:ext>
+            </a:extLst>
+          </p:cNvPr>
+          <p:cNvCxnSpPr>
+            <a:cxnSpLocks/>
+            <a:stCxn id="15" idx="3"/>
+            <a:endCxn id="16" idx="1"/>
+          </p:cNvCxnSpPr>
+          <p:nvPr/>
+        </p:nvCxnSpPr>
+        <p:spPr>
+          <a:xfrm>
+            <a:off x="2777350" y="1994904"/>
+            <a:ext cx="4029360" cy="80512"/>
+          </a:xfrm>
+          <a:prstGeom prst="straightConnector1">
+            <a:avLst/>
+          </a:prstGeom>
+          <a:ln>
+            <a:tailEnd type="triangle"/>
+          </a:ln>
+        </p:spPr>
+        <p:style>
+          <a:lnRef idx="2">
+            <a:schemeClr val="accent1"/>
+          </a:lnRef>
+          <a:fillRef idx="0">
+            <a:schemeClr val="accent1"/>
+          </a:fillRef>
+          <a:effectRef idx="1">
+            <a:schemeClr val="accent1"/>
+          </a:effectRef>
+          <a:fontRef idx="minor">
+            <a:schemeClr val="tx1"/>
+          </a:fontRef>
+        </p:style>
+      </p:cxnSp>
+      <p:cxnSp>
+        <p:nvCxnSpPr>
+          <p:cNvPr id="34" name="Straight Arrow Connector 33">
+            <a:extLst>
+              <a:ext uri="{FF2B5EF4-FFF2-40B4-BE49-F238E27FC236}">
+                <a16:creationId xmlns:a16="http://schemas.microsoft.com/office/drawing/2014/main" id="{7AD0FAA9-8735-CFED-0343-59AF168DE5E7}"/>
+              </a:ext>
+            </a:extLst>
+          </p:cNvPr>
+          <p:cNvCxnSpPr>
+            <a:cxnSpLocks/>
+            <a:stCxn id="12" idx="0"/>
+            <a:endCxn id="15" idx="2"/>
+          </p:cNvCxnSpPr>
+          <p:nvPr/>
+        </p:nvCxnSpPr>
+        <p:spPr>
+          <a:xfrm flipH="1" flipV="1">
+            <a:off x="1614249" y="2408330"/>
+            <a:ext cx="39940" cy="541040"/>
+          </a:xfrm>
+          <a:prstGeom prst="straightConnector1">
+            <a:avLst/>
+          </a:prstGeom>
+          <a:ln>
+            <a:tailEnd type="triangle"/>
+          </a:ln>
+        </p:spPr>
+        <p:style>
+          <a:lnRef idx="2">
+            <a:schemeClr val="accent1"/>
+          </a:lnRef>
+          <a:fillRef idx="0">
+            <a:schemeClr val="accent1"/>
+          </a:fillRef>
+          <a:effectRef idx="1">
+            <a:schemeClr val="accent1"/>
+          </a:effectRef>
+          <a:fontRef idx="minor">
+            <a:schemeClr val="tx1"/>
+          </a:fontRef>
+        </p:style>
+      </p:cxnSp>
+      <p:cxnSp>
+        <p:nvCxnSpPr>
+          <p:cNvPr id="35" name="Straight Arrow Connector 34">
+            <a:extLst>
+              <a:ext uri="{FF2B5EF4-FFF2-40B4-BE49-F238E27FC236}">
+                <a16:creationId xmlns:a16="http://schemas.microsoft.com/office/drawing/2014/main" id="{0AAF96D7-1D11-405F-842E-B65E6B2132FE}"/>
+              </a:ext>
+            </a:extLst>
+          </p:cNvPr>
+          <p:cNvCxnSpPr>
+            <a:cxnSpLocks/>
+            <a:stCxn id="12" idx="2"/>
+            <a:endCxn id="55" idx="1"/>
+          </p:cNvCxnSpPr>
+          <p:nvPr/>
+        </p:nvCxnSpPr>
+        <p:spPr>
+          <a:xfrm>
+            <a:off x="1654189" y="3740877"/>
+            <a:ext cx="2037069" cy="914633"/>
+          </a:xfrm>
+          <a:prstGeom prst="straightConnector1">
+            <a:avLst/>
+          </a:prstGeom>
+          <a:ln>
+            <a:tailEnd type="triangle"/>
+          </a:ln>
+        </p:spPr>
+        <p:style>
+          <a:lnRef idx="2">
+            <a:schemeClr val="accent1"/>
+          </a:lnRef>
+          <a:fillRef idx="0">
+            <a:schemeClr val="accent1"/>
+          </a:fillRef>
+          <a:effectRef idx="1">
+            <a:schemeClr val="accent1"/>
+          </a:effectRef>
+          <a:fontRef idx="minor">
+            <a:schemeClr val="tx1"/>
+          </a:fontRef>
+        </p:style>
+      </p:cxnSp>
+      <p:sp>
+        <p:nvSpPr>
+          <p:cNvPr id="36" name="TextBox 35">
+            <a:extLst>
+              <a:ext uri="{FF2B5EF4-FFF2-40B4-BE49-F238E27FC236}">
+                <a16:creationId xmlns:a16="http://schemas.microsoft.com/office/drawing/2014/main" id="{BE311760-C09E-73A2-5A4E-79A95E37E9FA}"/>
+              </a:ext>
+            </a:extLst>
+          </p:cNvPr>
+          <p:cNvSpPr txBox="1"/>
+          <p:nvPr/>
+        </p:nvSpPr>
+        <p:spPr>
+          <a:xfrm>
+            <a:off x="1501147" y="4143480"/>
+            <a:ext cx="1300184" cy="369332"/>
+          </a:xfrm>
+          <a:prstGeom prst="rect">
+            <a:avLst/>
+          </a:prstGeom>
+          <a:noFill/>
+        </p:spPr>
+        <p:txBody>
+          <a:bodyPr wrap="square" rtlCol="0">
+            <a:spAutoFit/>
+          </a:bodyPr>
+          <a:lstStyle/>
+          <a:p>
+            <a:r>
+              <a:rPr lang="en-US" dirty="0" err="1"/>
+              <a:t>Từ</a:t>
+            </a:r>
+            <a:r>
+              <a:rPr lang="en-US" dirty="0"/>
+              <a:t> </a:t>
+            </a:r>
+            <a:r>
+              <a:rPr lang="en-US" dirty="0" err="1"/>
+              <a:t>Bỏ</a:t>
+            </a:r>
+            <a:r>
+              <a:rPr lang="en-US" dirty="0"/>
+              <a:t> </a:t>
+            </a:r>
+            <a:r>
+              <a:rPr lang="en-US" dirty="0" err="1"/>
+              <a:t>đăng</a:t>
+            </a:r>
+            <a:endParaRPr lang="en-US" dirty="0"/>
+          </a:p>
+        </p:txBody>
+      </p:sp>
+      <p:cxnSp>
+        <p:nvCxnSpPr>
+          <p:cNvPr id="37" name="Straight Arrow Connector 36">
+            <a:extLst>
+              <a:ext uri="{FF2B5EF4-FFF2-40B4-BE49-F238E27FC236}">
+                <a16:creationId xmlns:a16="http://schemas.microsoft.com/office/drawing/2014/main" id="{515E64A0-1928-89B7-CAA1-D10FE4F200DF}"/>
+              </a:ext>
+            </a:extLst>
+          </p:cNvPr>
+          <p:cNvCxnSpPr>
+            <a:cxnSpLocks/>
+            <a:stCxn id="12" idx="3"/>
+            <a:endCxn id="22" idx="1"/>
+          </p:cNvCxnSpPr>
+          <p:nvPr/>
+        </p:nvCxnSpPr>
+        <p:spPr>
+          <a:xfrm flipV="1">
+            <a:off x="2175581" y="3019860"/>
+            <a:ext cx="2575737" cy="325264"/>
+          </a:xfrm>
+          <a:prstGeom prst="straightConnector1">
+            <a:avLst/>
+          </a:prstGeom>
+          <a:ln>
+            <a:tailEnd type="triangle"/>
+          </a:ln>
+        </p:spPr>
+        <p:style>
+          <a:lnRef idx="2">
+            <a:schemeClr val="accent1"/>
+          </a:lnRef>
+          <a:fillRef idx="0">
+            <a:schemeClr val="accent1"/>
+          </a:fillRef>
+          <a:effectRef idx="1">
+            <a:schemeClr val="accent1"/>
+          </a:effectRef>
+          <a:fontRef idx="minor">
+            <a:schemeClr val="tx1"/>
+          </a:fontRef>
+        </p:style>
+      </p:cxnSp>
+      <p:sp>
+        <p:nvSpPr>
+          <p:cNvPr id="38" name="Diamond 37">
+            <a:extLst>
+              <a:ext uri="{FF2B5EF4-FFF2-40B4-BE49-F238E27FC236}">
+                <a16:creationId xmlns:a16="http://schemas.microsoft.com/office/drawing/2014/main" id="{B317922A-D9B5-74DA-353D-B36C125323B3}"/>
               </a:ext>
             </a:extLst>
           </p:cNvPr>
@@ -4496,10 +4697,10 @@
         </p:nvSpPr>
         <p:spPr>
           <a:xfrm>
-            <a:off x="69603" y="2846651"/>
-            <a:ext cx="1417821" cy="829230"/>
-          </a:xfrm>
-          <a:prstGeom prst="rect">
+            <a:off x="4899935" y="3611231"/>
+            <a:ext cx="1196065" cy="688607"/>
+          </a:xfrm>
+          <a:prstGeom prst="diamond">
             <a:avLst/>
           </a:prstGeom>
         </p:spPr>
@@ -4522,180 +4723,38 @@
           <a:lstStyle/>
           <a:p>
             <a:pPr algn="ctr"/>
-            <a:endParaRPr lang="en-US" dirty="0"/>
+            <a:r>
+              <a:rPr lang="en-US" sz="1200" dirty="0"/>
+              <a:t>check</a:t>
+            </a:r>
           </a:p>
         </p:txBody>
       </p:sp>
       <p:cxnSp>
         <p:nvCxnSpPr>
-          <p:cNvPr id="28" name="Straight Connector 27">
-            <a:extLst>
-              <a:ext uri="{FF2B5EF4-FFF2-40B4-BE49-F238E27FC236}">
-                <a16:creationId xmlns:a16="http://schemas.microsoft.com/office/drawing/2014/main" id="{21CEE95D-DB8E-3BA8-5C2B-F5D4AFCD6CB2}"/>
+          <p:cNvPr id="39" name="Straight Arrow Connector 38">
+            <a:extLst>
+              <a:ext uri="{FF2B5EF4-FFF2-40B4-BE49-F238E27FC236}">
+                <a16:creationId xmlns:a16="http://schemas.microsoft.com/office/drawing/2014/main" id="{4D9484DF-4D70-3046-2E1B-ACD0ADCC736B}"/>
               </a:ext>
             </a:extLst>
           </p:cNvPr>
           <p:cNvCxnSpPr>
-            <a:stCxn id="27" idx="1"/>
-            <a:endCxn id="27" idx="3"/>
+            <a:cxnSpLocks/>
+            <a:stCxn id="22" idx="2"/>
+            <a:endCxn id="38" idx="0"/>
           </p:cNvCxnSpPr>
           <p:nvPr/>
         </p:nvCxnSpPr>
         <p:spPr>
-          <a:xfrm>
-            <a:off x="69603" y="3261266"/>
-            <a:ext cx="1417821" cy="0"/>
-          </a:xfrm>
-          <a:prstGeom prst="line">
-            <a:avLst/>
-          </a:prstGeom>
-        </p:spPr>
-        <p:style>
-          <a:lnRef idx="2">
-            <a:schemeClr val="accent1"/>
-          </a:lnRef>
-          <a:fillRef idx="0">
-            <a:schemeClr val="accent1"/>
-          </a:fillRef>
-          <a:effectRef idx="1">
-            <a:schemeClr val="accent1"/>
-          </a:effectRef>
-          <a:fontRef idx="minor">
-            <a:schemeClr val="tx1"/>
-          </a:fontRef>
-        </p:style>
-      </p:cxnSp>
-      <p:grpSp>
-        <p:nvGrpSpPr>
-          <p:cNvPr id="29" name="Group 28">
-            <a:extLst>
-              <a:ext uri="{FF2B5EF4-FFF2-40B4-BE49-F238E27FC236}">
-                <a16:creationId xmlns:a16="http://schemas.microsoft.com/office/drawing/2014/main" id="{EB74BBA0-E2BD-250D-ADD3-E1C39313E505}"/>
-              </a:ext>
-            </a:extLst>
-          </p:cNvPr>
-          <p:cNvGrpSpPr/>
-          <p:nvPr/>
-        </p:nvGrpSpPr>
-        <p:grpSpPr>
-          <a:xfrm>
-            <a:off x="69604" y="2865740"/>
-            <a:ext cx="1400013" cy="619466"/>
-            <a:chOff x="69604" y="2865740"/>
-            <a:chExt cx="1444467" cy="797466"/>
-          </a:xfrm>
-        </p:grpSpPr>
-        <p:sp>
-          <p:nvSpPr>
-            <p:cNvPr id="30" name="TextBox 29">
-              <a:extLst>
-                <a:ext uri="{FF2B5EF4-FFF2-40B4-BE49-F238E27FC236}">
-                  <a16:creationId xmlns:a16="http://schemas.microsoft.com/office/drawing/2014/main" id="{0DBA80F2-1E6E-9F12-C6C6-CA4E38452834}"/>
-                </a:ext>
-              </a:extLst>
-            </p:cNvPr>
-            <p:cNvSpPr txBox="1"/>
-            <p:nvPr/>
-          </p:nvSpPr>
-          <p:spPr>
-            <a:xfrm>
-              <a:off x="69604" y="2865740"/>
-              <a:ext cx="1417820" cy="369332"/>
-            </a:xfrm>
-            <a:prstGeom prst="rect">
-              <a:avLst/>
-            </a:prstGeom>
-            <a:noFill/>
-          </p:spPr>
-          <p:txBody>
-            <a:bodyPr wrap="square" rtlCol="0">
-              <a:spAutoFit/>
-            </a:bodyPr>
-            <a:lstStyle/>
-            <a:p>
-              <a:pPr algn="ctr"/>
-              <a:r>
-                <a:rPr lang="en-US" dirty="0" err="1"/>
-                <a:t>Bài</a:t>
-              </a:r>
-              <a:r>
-                <a:rPr lang="en-US" dirty="0"/>
-                <a:t> </a:t>
-              </a:r>
-              <a:r>
-                <a:rPr lang="en-US" dirty="0" err="1"/>
-                <a:t>viêt</a:t>
-              </a:r>
-              <a:r>
-                <a:rPr lang="en-US" dirty="0"/>
-                <a:t> </a:t>
-              </a:r>
-            </a:p>
-          </p:txBody>
-        </p:sp>
-        <p:sp>
-          <p:nvSpPr>
-            <p:cNvPr id="31" name="TextBox 30">
-              <a:extLst>
-                <a:ext uri="{FF2B5EF4-FFF2-40B4-BE49-F238E27FC236}">
-                  <a16:creationId xmlns:a16="http://schemas.microsoft.com/office/drawing/2014/main" id="{12AA863B-C6EF-7279-E3F2-26A4511A6DBE}"/>
-                </a:ext>
-              </a:extLst>
-            </p:cNvPr>
-            <p:cNvSpPr txBox="1"/>
-            <p:nvPr/>
-          </p:nvSpPr>
-          <p:spPr>
-            <a:xfrm>
-              <a:off x="96251" y="3293874"/>
-              <a:ext cx="1417820" cy="369332"/>
-            </a:xfrm>
-            <a:prstGeom prst="rect">
-              <a:avLst/>
-            </a:prstGeom>
-            <a:noFill/>
-          </p:spPr>
-          <p:txBody>
-            <a:bodyPr wrap="square" rtlCol="0">
-              <a:spAutoFit/>
-            </a:bodyPr>
-            <a:lstStyle/>
-            <a:p>
-              <a:pPr algn="ctr"/>
-              <a:r>
-                <a:rPr lang="en-US" dirty="0"/>
-                <a:t>Draf</a:t>
-              </a:r>
-            </a:p>
-          </p:txBody>
-        </p:sp>
-      </p:grpSp>
-      <p:cxnSp>
-        <p:nvCxnSpPr>
-          <p:cNvPr id="32" name="Straight Arrow Connector 31">
-            <a:extLst>
-              <a:ext uri="{FF2B5EF4-FFF2-40B4-BE49-F238E27FC236}">
-                <a16:creationId xmlns:a16="http://schemas.microsoft.com/office/drawing/2014/main" id="{17EED932-E076-3080-4058-4CCDC08A9C33}"/>
-              </a:ext>
-            </a:extLst>
-          </p:cNvPr>
-          <p:cNvCxnSpPr>
-            <a:cxnSpLocks/>
-            <a:stCxn id="15" idx="1"/>
-            <a:endCxn id="30" idx="0"/>
-          </p:cNvCxnSpPr>
-          <p:nvPr/>
-        </p:nvCxnSpPr>
-        <p:spPr>
           <a:xfrm flipH="1">
-            <a:off x="756697" y="2249758"/>
-            <a:ext cx="233116" cy="615982"/>
+            <a:off x="5497968" y="3316240"/>
+            <a:ext cx="39776" cy="294991"/>
           </a:xfrm>
           <a:prstGeom prst="straightConnector1">
             <a:avLst/>
           </a:prstGeom>
           <a:ln>
-            <a:prstDash val="sysDot"/>
             <a:tailEnd type="triangle"/>
           </a:ln>
         </p:spPr>
@@ -4716,24 +4775,24 @@
       </p:cxnSp>
       <p:cxnSp>
         <p:nvCxnSpPr>
-          <p:cNvPr id="33" name="Straight Arrow Connector 32">
-            <a:extLst>
-              <a:ext uri="{FF2B5EF4-FFF2-40B4-BE49-F238E27FC236}">
-                <a16:creationId xmlns:a16="http://schemas.microsoft.com/office/drawing/2014/main" id="{8D9F0E29-C56C-4034-C967-DC4F83A7350D}"/>
+          <p:cNvPr id="40" name="Straight Arrow Connector 39">
+            <a:extLst>
+              <a:ext uri="{FF2B5EF4-FFF2-40B4-BE49-F238E27FC236}">
+                <a16:creationId xmlns:a16="http://schemas.microsoft.com/office/drawing/2014/main" id="{C4D65668-49F6-690E-E96C-CEA8792F6BA5}"/>
               </a:ext>
             </a:extLst>
           </p:cNvPr>
           <p:cNvCxnSpPr>
             <a:cxnSpLocks/>
-            <a:stCxn id="15" idx="3"/>
-            <a:endCxn id="16" idx="1"/>
+            <a:stCxn id="38" idx="1"/>
+            <a:endCxn id="12" idx="3"/>
           </p:cNvCxnSpPr>
           <p:nvPr/>
         </p:nvCxnSpPr>
         <p:spPr>
-          <a:xfrm>
-            <a:off x="3215123" y="2249758"/>
-            <a:ext cx="1572850" cy="42421"/>
+          <a:xfrm flipH="1" flipV="1">
+            <a:off x="2175581" y="3345124"/>
+            <a:ext cx="2724354" cy="610411"/>
           </a:xfrm>
           <a:prstGeom prst="straightConnector1">
             <a:avLst/>
@@ -4757,97 +4816,12 @@
           </a:fontRef>
         </p:style>
       </p:cxnSp>
-      <p:cxnSp>
-        <p:nvCxnSpPr>
-          <p:cNvPr id="34" name="Straight Arrow Connector 33">
-            <a:extLst>
-              <a:ext uri="{FF2B5EF4-FFF2-40B4-BE49-F238E27FC236}">
-                <a16:creationId xmlns:a16="http://schemas.microsoft.com/office/drawing/2014/main" id="{7AD0FAA9-8735-CFED-0343-59AF168DE5E7}"/>
-              </a:ext>
-            </a:extLst>
-          </p:cNvPr>
-          <p:cNvCxnSpPr>
-            <a:cxnSpLocks/>
-            <a:stCxn id="12" idx="0"/>
-            <a:endCxn id="15" idx="2"/>
-          </p:cNvCxnSpPr>
-          <p:nvPr/>
-        </p:nvCxnSpPr>
-        <p:spPr>
-          <a:xfrm flipH="1" flipV="1">
-            <a:off x="2102468" y="2588559"/>
-            <a:ext cx="346440" cy="759777"/>
-          </a:xfrm>
-          <a:prstGeom prst="straightConnector1">
-            <a:avLst/>
-          </a:prstGeom>
-          <a:ln>
-            <a:tailEnd type="triangle"/>
-          </a:ln>
-        </p:spPr>
-        <p:style>
-          <a:lnRef idx="2">
-            <a:schemeClr val="accent1"/>
-          </a:lnRef>
-          <a:fillRef idx="0">
-            <a:schemeClr val="accent1"/>
-          </a:fillRef>
-          <a:effectRef idx="1">
-            <a:schemeClr val="accent1"/>
-          </a:effectRef>
-          <a:fontRef idx="minor">
-            <a:schemeClr val="tx1"/>
-          </a:fontRef>
-        </p:style>
-      </p:cxnSp>
-      <p:cxnSp>
-        <p:nvCxnSpPr>
-          <p:cNvPr id="35" name="Straight Arrow Connector 34">
-            <a:extLst>
-              <a:ext uri="{FF2B5EF4-FFF2-40B4-BE49-F238E27FC236}">
-                <a16:creationId xmlns:a16="http://schemas.microsoft.com/office/drawing/2014/main" id="{0AAF96D7-1D11-405F-842E-B65E6B2132FE}"/>
-              </a:ext>
-            </a:extLst>
-          </p:cNvPr>
-          <p:cNvCxnSpPr>
-            <a:cxnSpLocks/>
-            <a:stCxn id="12" idx="1"/>
-          </p:cNvCxnSpPr>
-          <p:nvPr/>
-        </p:nvCxnSpPr>
-        <p:spPr>
-          <a:xfrm flipH="1">
-            <a:off x="547883" y="3744090"/>
-            <a:ext cx="1379633" cy="1537445"/>
-          </a:xfrm>
-          <a:prstGeom prst="straightConnector1">
-            <a:avLst/>
-          </a:prstGeom>
-          <a:ln>
-            <a:tailEnd type="triangle"/>
-          </a:ln>
-        </p:spPr>
-        <p:style>
-          <a:lnRef idx="2">
-            <a:schemeClr val="accent1"/>
-          </a:lnRef>
-          <a:fillRef idx="0">
-            <a:schemeClr val="accent1"/>
-          </a:fillRef>
-          <a:effectRef idx="1">
-            <a:schemeClr val="accent1"/>
-          </a:effectRef>
-          <a:fontRef idx="minor">
-            <a:schemeClr val="tx1"/>
-          </a:fontRef>
-        </p:style>
-      </p:cxnSp>
-      <p:sp>
-        <p:nvSpPr>
-          <p:cNvPr id="36" name="TextBox 35">
-            <a:extLst>
-              <a:ext uri="{FF2B5EF4-FFF2-40B4-BE49-F238E27FC236}">
-                <a16:creationId xmlns:a16="http://schemas.microsoft.com/office/drawing/2014/main" id="{BE311760-C09E-73A2-5A4E-79A95E37E9FA}"/>
+      <p:sp>
+        <p:nvSpPr>
+          <p:cNvPr id="41" name="TextBox 40">
+            <a:extLst>
+              <a:ext uri="{FF2B5EF4-FFF2-40B4-BE49-F238E27FC236}">
+                <a16:creationId xmlns:a16="http://schemas.microsoft.com/office/drawing/2014/main" id="{1B64955B-E268-2881-E4C9-6EDE4262AD07}"/>
               </a:ext>
             </a:extLst>
           </p:cNvPr>
@@ -4855,9 +4829,9 @@
           <p:nvPr/>
         </p:nvSpPr>
         <p:spPr>
-          <a:xfrm rot="18579200">
-            <a:off x="343358" y="4300740"/>
-            <a:ext cx="1300184" cy="369332"/>
+          <a:xfrm rot="931048">
+            <a:off x="3662218" y="3754337"/>
+            <a:ext cx="845919" cy="369332"/>
           </a:xfrm>
           <a:prstGeom prst="rect">
             <a:avLst/>
@@ -4871,78 +4845,18 @@
           <a:lstStyle/>
           <a:p>
             <a:r>
-              <a:rPr lang="en-US" dirty="0" err="1"/>
-              <a:t>Từ</a:t>
-            </a:r>
-            <a:r>
               <a:rPr lang="en-US" dirty="0"/>
-              <a:t> </a:t>
-            </a:r>
-            <a:r>
-              <a:rPr lang="en-US" dirty="0" err="1"/>
-              <a:t>Bỏ</a:t>
-            </a:r>
-            <a:r>
-              <a:rPr lang="en-US" dirty="0"/>
-              <a:t> </a:t>
-            </a:r>
-            <a:r>
-              <a:rPr lang="en-US" dirty="0" err="1"/>
-              <a:t>đăng</a:t>
-            </a:r>
-            <a:endParaRPr lang="en-US" dirty="0"/>
-          </a:p>
-        </p:txBody>
-      </p:sp>
-      <p:cxnSp>
-        <p:nvCxnSpPr>
-          <p:cNvPr id="37" name="Straight Arrow Connector 36">
-            <a:extLst>
-              <a:ext uri="{FF2B5EF4-FFF2-40B4-BE49-F238E27FC236}">
-                <a16:creationId xmlns:a16="http://schemas.microsoft.com/office/drawing/2014/main" id="{515E64A0-1928-89B7-CAA1-D10FE4F200DF}"/>
-              </a:ext>
-            </a:extLst>
-          </p:cNvPr>
-          <p:cNvCxnSpPr>
-            <a:cxnSpLocks/>
-            <a:stCxn id="12" idx="3"/>
-            <a:endCxn id="22" idx="1"/>
-          </p:cNvCxnSpPr>
-          <p:nvPr/>
-        </p:nvCxnSpPr>
-        <p:spPr>
-          <a:xfrm flipV="1">
-            <a:off x="2970300" y="3319242"/>
-            <a:ext cx="1787196" cy="424848"/>
-          </a:xfrm>
-          <a:prstGeom prst="straightConnector1">
-            <a:avLst/>
-          </a:prstGeom>
-          <a:ln>
-            <a:tailEnd type="triangle"/>
-          </a:ln>
-        </p:spPr>
-        <p:style>
-          <a:lnRef idx="2">
-            <a:schemeClr val="accent1"/>
-          </a:lnRef>
-          <a:fillRef idx="0">
-            <a:schemeClr val="accent1"/>
-          </a:fillRef>
-          <a:effectRef idx="1">
-            <a:schemeClr val="accent1"/>
-          </a:effectRef>
-          <a:fontRef idx="minor">
-            <a:schemeClr val="tx1"/>
-          </a:fontRef>
-        </p:style>
-      </p:cxnSp>
-      <p:sp>
-        <p:nvSpPr>
-          <p:cNvPr id="38" name="Diamond 37">
-            <a:extLst>
-              <a:ext uri="{FF2B5EF4-FFF2-40B4-BE49-F238E27FC236}">
-                <a16:creationId xmlns:a16="http://schemas.microsoft.com/office/drawing/2014/main" id="{B317922A-D9B5-74DA-353D-B36C125323B3}"/>
+              <a:t>Reject</a:t>
+            </a:r>
+          </a:p>
+        </p:txBody>
+      </p:sp>
+      <p:sp>
+        <p:nvSpPr>
+          <p:cNvPr id="42" name="Rectangle: Rounded Corners 41">
+            <a:extLst>
+              <a:ext uri="{FF2B5EF4-FFF2-40B4-BE49-F238E27FC236}">
+                <a16:creationId xmlns:a16="http://schemas.microsoft.com/office/drawing/2014/main" id="{491FD90E-E682-4D5F-F044-2410A35BFEBC}"/>
               </a:ext>
             </a:extLst>
           </p:cNvPr>
@@ -4951,10 +4865,10 @@
         </p:nvSpPr>
         <p:spPr>
           <a:xfrm>
-            <a:off x="4930328" y="3932973"/>
-            <a:ext cx="1196065" cy="688607"/>
-          </a:xfrm>
-          <a:prstGeom prst="diamond">
+            <a:off x="3656710" y="5870635"/>
+            <a:ext cx="2237449" cy="788580"/>
+          </a:xfrm>
+          <a:prstGeom prst="roundRect">
             <a:avLst/>
           </a:prstGeom>
         </p:spPr>
@@ -4978,32 +4892,145 @@
           <a:p>
             <a:pPr algn="ctr"/>
             <a:r>
-              <a:rPr lang="en-US" sz="1200" dirty="0"/>
-              <a:t>check</a:t>
+              <a:rPr lang="en-US" dirty="0" err="1"/>
+              <a:t>Tạo</a:t>
+            </a:r>
+            <a:r>
+              <a:rPr lang="en-US" dirty="0"/>
+              <a:t>, </a:t>
+            </a:r>
+            <a:r>
+              <a:rPr lang="en-US" dirty="0" err="1"/>
+              <a:t>phân</a:t>
+            </a:r>
+            <a:r>
+              <a:rPr lang="en-US" dirty="0"/>
+              <a:t> </a:t>
+            </a:r>
+            <a:r>
+              <a:rPr lang="en-US" dirty="0" err="1"/>
+              <a:t>loại</a:t>
+            </a:r>
+            <a:r>
+              <a:rPr lang="en-US" dirty="0"/>
+              <a:t> node </a:t>
+            </a:r>
+            <a:r>
+              <a:rPr lang="en-US" dirty="0" err="1"/>
+              <a:t>embedding,dự</a:t>
+            </a:r>
+            <a:r>
+              <a:rPr lang="en-US" dirty="0"/>
+              <a:t> </a:t>
+            </a:r>
+            <a:r>
+              <a:rPr lang="en-US" dirty="0" err="1"/>
+              <a:t>đoán</a:t>
+            </a:r>
+            <a:r>
+              <a:rPr lang="en-US" dirty="0"/>
+              <a:t> Edge</a:t>
             </a:r>
           </a:p>
         </p:txBody>
       </p:sp>
       <p:cxnSp>
         <p:nvCxnSpPr>
-          <p:cNvPr id="39" name="Straight Arrow Connector 38">
-            <a:extLst>
-              <a:ext uri="{FF2B5EF4-FFF2-40B4-BE49-F238E27FC236}">
-                <a16:creationId xmlns:a16="http://schemas.microsoft.com/office/drawing/2014/main" id="{4D9484DF-4D70-3046-2E1B-ACD0ADCC736B}"/>
+          <p:cNvPr id="43" name="Straight Arrow Connector 42">
+            <a:extLst>
+              <a:ext uri="{FF2B5EF4-FFF2-40B4-BE49-F238E27FC236}">
+                <a16:creationId xmlns:a16="http://schemas.microsoft.com/office/drawing/2014/main" id="{85A403DE-580A-E9C1-A667-3AA732F36F9E}"/>
               </a:ext>
             </a:extLst>
           </p:cNvPr>
           <p:cNvCxnSpPr>
             <a:cxnSpLocks/>
-            <a:stCxn id="22" idx="2"/>
-            <a:endCxn id="38" idx="0"/>
+            <a:stCxn id="38" idx="3"/>
+            <a:endCxn id="57" idx="1"/>
           </p:cNvCxnSpPr>
           <p:nvPr/>
         </p:nvCxnSpPr>
         <p:spPr>
+          <a:xfrm flipV="1">
+            <a:off x="6096000" y="3258070"/>
+            <a:ext cx="983416" cy="697465"/>
+          </a:xfrm>
+          <a:prstGeom prst="straightConnector1">
+            <a:avLst/>
+          </a:prstGeom>
+          <a:ln>
+            <a:tailEnd type="triangle"/>
+          </a:ln>
+        </p:spPr>
+        <p:style>
+          <a:lnRef idx="2">
+            <a:schemeClr val="accent1"/>
+          </a:lnRef>
+          <a:fillRef idx="0">
+            <a:schemeClr val="accent1"/>
+          </a:fillRef>
+          <a:effectRef idx="1">
+            <a:schemeClr val="accent1"/>
+          </a:effectRef>
+          <a:fontRef idx="minor">
+            <a:schemeClr val="tx1"/>
+          </a:fontRef>
+        </p:style>
+      </p:cxnSp>
+      <p:sp>
+        <p:nvSpPr>
+          <p:cNvPr id="44" name="TextBox 43">
+            <a:extLst>
+              <a:ext uri="{FF2B5EF4-FFF2-40B4-BE49-F238E27FC236}">
+                <a16:creationId xmlns:a16="http://schemas.microsoft.com/office/drawing/2014/main" id="{936C9080-EAE7-C19A-C1F9-B8435C803CA0}"/>
+              </a:ext>
+            </a:extLst>
+          </p:cNvPr>
+          <p:cNvSpPr txBox="1"/>
+          <p:nvPr/>
+        </p:nvSpPr>
+        <p:spPr>
+          <a:xfrm rot="19429687">
+            <a:off x="6113425" y="3185435"/>
+            <a:ext cx="1174407" cy="261610"/>
+          </a:xfrm>
+          <a:prstGeom prst="rect">
+            <a:avLst/>
+          </a:prstGeom>
+          <a:noFill/>
+        </p:spPr>
+        <p:txBody>
+          <a:bodyPr wrap="square" rtlCol="0">
+            <a:spAutoFit/>
+          </a:bodyPr>
+          <a:lstStyle/>
+          <a:p>
+            <a:r>
+              <a:rPr lang="en-US" sz="1100" dirty="0"/>
+              <a:t>approve</a:t>
+            </a:r>
+          </a:p>
+        </p:txBody>
+      </p:sp>
+      <p:cxnSp>
+        <p:nvCxnSpPr>
+          <p:cNvPr id="45" name="Straight Arrow Connector 44">
+            <a:extLst>
+              <a:ext uri="{FF2B5EF4-FFF2-40B4-BE49-F238E27FC236}">
+                <a16:creationId xmlns:a16="http://schemas.microsoft.com/office/drawing/2014/main" id="{AF93182E-916E-B1EA-7F8E-1D47D69359AD}"/>
+              </a:ext>
+            </a:extLst>
+          </p:cNvPr>
+          <p:cNvCxnSpPr>
+            <a:cxnSpLocks/>
+            <a:endCxn id="42" idx="0"/>
+          </p:cNvCxnSpPr>
+          <p:nvPr/>
+        </p:nvCxnSpPr>
+        <p:spPr>
           <a:xfrm flipH="1">
-            <a:off x="5528361" y="3615622"/>
-            <a:ext cx="15561" cy="317351"/>
+            <a:off x="4775435" y="5271653"/>
+            <a:ext cx="1090982" cy="598982"/>
           </a:xfrm>
           <a:prstGeom prst="straightConnector1">
             <a:avLst/>
@@ -5029,30 +5056,30 @@
       </p:cxnSp>
       <p:cxnSp>
         <p:nvCxnSpPr>
-          <p:cNvPr id="40" name="Straight Arrow Connector 39">
-            <a:extLst>
-              <a:ext uri="{FF2B5EF4-FFF2-40B4-BE49-F238E27FC236}">
-                <a16:creationId xmlns:a16="http://schemas.microsoft.com/office/drawing/2014/main" id="{C4D65668-49F6-690E-E96C-CEA8792F6BA5}"/>
+          <p:cNvPr id="46" name="Straight Arrow Connector 45">
+            <a:extLst>
+              <a:ext uri="{FF2B5EF4-FFF2-40B4-BE49-F238E27FC236}">
+                <a16:creationId xmlns:a16="http://schemas.microsoft.com/office/drawing/2014/main" id="{E078FAAE-4B38-BFAC-9485-C87692D01594}"/>
               </a:ext>
             </a:extLst>
           </p:cNvPr>
           <p:cNvCxnSpPr>
             <a:cxnSpLocks/>
-            <a:stCxn id="38" idx="1"/>
-            <a:endCxn id="12" idx="3"/>
+            <a:stCxn id="26" idx="0"/>
           </p:cNvCxnSpPr>
           <p:nvPr/>
         </p:nvCxnSpPr>
         <p:spPr>
-          <a:xfrm flipH="1" flipV="1">
-            <a:off x="2970300" y="3744090"/>
-            <a:ext cx="1960028" cy="533187"/>
+          <a:xfrm flipV="1">
+            <a:off x="6636314" y="4368672"/>
+            <a:ext cx="355554" cy="554896"/>
           </a:xfrm>
           <a:prstGeom prst="straightConnector1">
             <a:avLst/>
           </a:prstGeom>
           <a:ln>
-            <a:tailEnd type="triangle"/>
+            <a:headEnd type="stealth"/>
+            <a:tailEnd type="none"/>
           </a:ln>
         </p:spPr>
         <p:style>
@@ -5070,47 +5097,55 @@
           </a:fontRef>
         </p:style>
       </p:cxnSp>
-      <p:sp>
-        <p:nvSpPr>
-          <p:cNvPr id="41" name="TextBox 40">
-            <a:extLst>
-              <a:ext uri="{FF2B5EF4-FFF2-40B4-BE49-F238E27FC236}">
-                <a16:creationId xmlns:a16="http://schemas.microsoft.com/office/drawing/2014/main" id="{1B64955B-E268-2881-E4C9-6EDE4262AD07}"/>
-              </a:ext>
-            </a:extLst>
-          </p:cNvPr>
-          <p:cNvSpPr txBox="1"/>
+      <p:cxnSp>
+        <p:nvCxnSpPr>
+          <p:cNvPr id="47" name="Straight Arrow Connector 46">
+            <a:extLst>
+              <a:ext uri="{FF2B5EF4-FFF2-40B4-BE49-F238E27FC236}">
+                <a16:creationId xmlns:a16="http://schemas.microsoft.com/office/drawing/2014/main" id="{A68FBF8D-9E3A-330D-0A15-54D10D3FD04F}"/>
+              </a:ext>
+            </a:extLst>
+          </p:cNvPr>
+          <p:cNvCxnSpPr>
+            <a:cxnSpLocks/>
+            <a:stCxn id="55" idx="1"/>
+            <a:endCxn id="17" idx="6"/>
+          </p:cNvCxnSpPr>
           <p:nvPr/>
-        </p:nvSpPr>
-        <p:spPr>
-          <a:xfrm rot="931048">
-            <a:off x="3800426" y="3743372"/>
-            <a:ext cx="845919" cy="369332"/>
-          </a:xfrm>
-          <a:prstGeom prst="rect">
-            <a:avLst/>
-          </a:prstGeom>
-          <a:noFill/>
-        </p:spPr>
-        <p:txBody>
-          <a:bodyPr wrap="square" rtlCol="0">
-            <a:spAutoFit/>
-          </a:bodyPr>
-          <a:lstStyle/>
-          <a:p>
-            <a:r>
-              <a:rPr lang="en-US" dirty="0"/>
-              <a:t>Reject</a:t>
-            </a:r>
-          </a:p>
-        </p:txBody>
-      </p:sp>
-      <p:sp>
-        <p:nvSpPr>
-          <p:cNvPr id="42" name="Rectangle: Rounded Corners 41">
-            <a:extLst>
-              <a:ext uri="{FF2B5EF4-FFF2-40B4-BE49-F238E27FC236}">
-                <a16:creationId xmlns:a16="http://schemas.microsoft.com/office/drawing/2014/main" id="{491FD90E-E682-4D5F-F044-2410A35BFEBC}"/>
+        </p:nvCxnSpPr>
+        <p:spPr>
+          <a:xfrm flipH="1">
+            <a:off x="2757986" y="4655510"/>
+            <a:ext cx="933272" cy="470809"/>
+          </a:xfrm>
+          <a:prstGeom prst="straightConnector1">
+            <a:avLst/>
+          </a:prstGeom>
+          <a:ln>
+            <a:tailEnd type="triangle"/>
+          </a:ln>
+        </p:spPr>
+        <p:style>
+          <a:lnRef idx="2">
+            <a:schemeClr val="accent1"/>
+          </a:lnRef>
+          <a:fillRef idx="0">
+            <a:schemeClr val="accent1"/>
+          </a:fillRef>
+          <a:effectRef idx="1">
+            <a:schemeClr val="accent1"/>
+          </a:effectRef>
+          <a:fontRef idx="minor">
+            <a:schemeClr val="tx1"/>
+          </a:fontRef>
+        </p:style>
+      </p:cxnSp>
+      <p:sp>
+        <p:nvSpPr>
+          <p:cNvPr id="48" name="Rectangle: Rounded Corners 47">
+            <a:extLst>
+              <a:ext uri="{FF2B5EF4-FFF2-40B4-BE49-F238E27FC236}">
+                <a16:creationId xmlns:a16="http://schemas.microsoft.com/office/drawing/2014/main" id="{2397571A-C863-E4B8-51AE-2B39BD9860DD}"/>
               </a:ext>
             </a:extLst>
           </p:cNvPr>
@@ -5119,8 +5154,8 @@
         </p:nvSpPr>
         <p:spPr>
           <a:xfrm>
-            <a:off x="4302651" y="5124556"/>
-            <a:ext cx="2237449" cy="788580"/>
+            <a:off x="7735230" y="5216214"/>
+            <a:ext cx="1598489" cy="1586323"/>
           </a:xfrm>
           <a:prstGeom prst="roundRect">
             <a:avLst/>
@@ -5146,68 +5181,108 @@
           <a:p>
             <a:pPr algn="ctr"/>
             <a:r>
-              <a:rPr lang="en-US" dirty="0" err="1"/>
-              <a:t>Tạo</a:t>
-            </a:r>
-            <a:r>
-              <a:rPr lang="en-US" dirty="0"/>
-              <a:t>, </a:t>
-            </a:r>
-            <a:r>
-              <a:rPr lang="en-US" dirty="0" err="1"/>
-              <a:t>phân</a:t>
-            </a:r>
-            <a:r>
-              <a:rPr lang="en-US" dirty="0"/>
+              <a:rPr lang="en-US" sz="1600" dirty="0" err="1"/>
+              <a:t>Truy</a:t>
+            </a:r>
+            <a:r>
+              <a:rPr lang="en-US" sz="1600" dirty="0"/>
               <a:t> </a:t>
             </a:r>
             <a:r>
-              <a:rPr lang="en-US" dirty="0" err="1"/>
-              <a:t>loại</a:t>
-            </a:r>
-            <a:r>
-              <a:rPr lang="en-US" dirty="0"/>
-              <a:t> node </a:t>
-            </a:r>
-            <a:r>
-              <a:rPr lang="en-US" dirty="0" err="1"/>
-              <a:t>embedding,dự</a:t>
-            </a:r>
-            <a:r>
-              <a:rPr lang="en-US" dirty="0"/>
+              <a:rPr lang="en-US" sz="1600" dirty="0" err="1"/>
+              <a:t>vấn</a:t>
+            </a:r>
+            <a:r>
+              <a:rPr lang="en-US" sz="1600" dirty="0"/>
+              <a:t> user online </a:t>
+            </a:r>
+            <a:r>
+              <a:rPr lang="en-US" sz="1600" dirty="0" err="1"/>
+              <a:t>trên</a:t>
+            </a:r>
+            <a:r>
+              <a:rPr lang="en-US" sz="1600" dirty="0"/>
+              <a:t> graph. Ranking </a:t>
+            </a:r>
+            <a:r>
+              <a:rPr lang="en-US" sz="1600" dirty="0" err="1"/>
+              <a:t>người</a:t>
+            </a:r>
+            <a:r>
+              <a:rPr lang="en-US" sz="1600" dirty="0"/>
               <a:t> </a:t>
             </a:r>
             <a:r>
-              <a:rPr lang="en-US" dirty="0" err="1"/>
-              <a:t>đoán</a:t>
-            </a:r>
-            <a:r>
-              <a:rPr lang="en-US" dirty="0"/>
-              <a:t> Edge</a:t>
+              <a:rPr lang="en-US" sz="1600" dirty="0" err="1"/>
+              <a:t>dùng</a:t>
+            </a:r>
+            <a:r>
+              <a:rPr lang="en-US" sz="1600" dirty="0"/>
+              <a:t> </a:t>
+            </a:r>
+            <a:r>
+              <a:rPr lang="en-US" sz="1600" dirty="0" err="1"/>
+              <a:t>để</a:t>
+            </a:r>
+            <a:r>
+              <a:rPr lang="en-US" sz="1600" dirty="0"/>
+              <a:t> </a:t>
+            </a:r>
+            <a:r>
+              <a:rPr lang="en-US" sz="1600" dirty="0" err="1"/>
+              <a:t>ưu</a:t>
+            </a:r>
+            <a:r>
+              <a:rPr lang="en-US" sz="1600" dirty="0"/>
+              <a:t> </a:t>
+            </a:r>
+            <a:r>
+              <a:rPr lang="en-US" sz="1600" dirty="0" err="1"/>
+              <a:t>tiên</a:t>
+            </a:r>
+            <a:r>
+              <a:rPr lang="en-US" sz="1600" dirty="0"/>
+              <a:t> </a:t>
+            </a:r>
+            <a:r>
+              <a:rPr lang="en-US" sz="1600" dirty="0" err="1"/>
+              <a:t>thông</a:t>
+            </a:r>
+            <a:r>
+              <a:rPr lang="en-US" sz="1600" dirty="0"/>
+              <a:t> </a:t>
+            </a:r>
+            <a:r>
+              <a:rPr lang="en-US" sz="1600" dirty="0" err="1"/>
+              <a:t>báo</a:t>
+            </a:r>
+            <a:r>
+              <a:rPr lang="en-US" sz="1600" dirty="0"/>
+              <a:t> </a:t>
             </a:r>
           </a:p>
         </p:txBody>
       </p:sp>
       <p:cxnSp>
         <p:nvCxnSpPr>
-          <p:cNvPr id="43" name="Straight Arrow Connector 42">
-            <a:extLst>
-              <a:ext uri="{FF2B5EF4-FFF2-40B4-BE49-F238E27FC236}">
-                <a16:creationId xmlns:a16="http://schemas.microsoft.com/office/drawing/2014/main" id="{85A403DE-580A-E9C1-A667-3AA732F36F9E}"/>
+          <p:cNvPr id="49" name="Straight Arrow Connector 48">
+            <a:extLst>
+              <a:ext uri="{FF2B5EF4-FFF2-40B4-BE49-F238E27FC236}">
+                <a16:creationId xmlns:a16="http://schemas.microsoft.com/office/drawing/2014/main" id="{81D4831F-D202-5069-2EB8-50728CD276AF}"/>
               </a:ext>
             </a:extLst>
           </p:cNvPr>
           <p:cNvCxnSpPr>
             <a:cxnSpLocks/>
-            <a:stCxn id="38" idx="3"/>
-            <a:endCxn id="57" idx="1"/>
+            <a:stCxn id="42" idx="3"/>
+            <a:endCxn id="48" idx="1"/>
           </p:cNvCxnSpPr>
           <p:nvPr/>
         </p:nvCxnSpPr>
         <p:spPr>
           <a:xfrm flipV="1">
-            <a:off x="6126393" y="3258070"/>
-            <a:ext cx="953023" cy="1019207"/>
+            <a:off x="5894159" y="6009376"/>
+            <a:ext cx="1841071" cy="255549"/>
           </a:xfrm>
           <a:prstGeom prst="straightConnector1">
             <a:avLst/>
@@ -5233,172 +5308,10 @@
       </p:cxnSp>
       <p:sp>
         <p:nvSpPr>
-          <p:cNvPr id="44" name="TextBox 43">
-            <a:extLst>
-              <a:ext uri="{FF2B5EF4-FFF2-40B4-BE49-F238E27FC236}">
-                <a16:creationId xmlns:a16="http://schemas.microsoft.com/office/drawing/2014/main" id="{936C9080-EAE7-C19A-C1F9-B8435C803CA0}"/>
-              </a:ext>
-            </a:extLst>
-          </p:cNvPr>
-          <p:cNvSpPr txBox="1"/>
-          <p:nvPr/>
-        </p:nvSpPr>
-        <p:spPr>
-          <a:xfrm rot="18769166">
-            <a:off x="6176606" y="3251491"/>
-            <a:ext cx="1174407" cy="261610"/>
-          </a:xfrm>
-          <a:prstGeom prst="rect">
-            <a:avLst/>
-          </a:prstGeom>
-          <a:noFill/>
-        </p:spPr>
-        <p:txBody>
-          <a:bodyPr wrap="square" rtlCol="0">
-            <a:spAutoFit/>
-          </a:bodyPr>
-          <a:lstStyle/>
-          <a:p>
-            <a:r>
-              <a:rPr lang="en-US" sz="1100" dirty="0"/>
-              <a:t>approve</a:t>
-            </a:r>
-          </a:p>
-        </p:txBody>
-      </p:sp>
-      <p:cxnSp>
-        <p:nvCxnSpPr>
-          <p:cNvPr id="45" name="Straight Arrow Connector 44">
-            <a:extLst>
-              <a:ext uri="{FF2B5EF4-FFF2-40B4-BE49-F238E27FC236}">
-                <a16:creationId xmlns:a16="http://schemas.microsoft.com/office/drawing/2014/main" id="{AF93182E-916E-B1EA-7F8E-1D47D69359AD}"/>
-              </a:ext>
-            </a:extLst>
-          </p:cNvPr>
-          <p:cNvCxnSpPr>
-            <a:cxnSpLocks/>
-          </p:cNvCxnSpPr>
-          <p:nvPr/>
-        </p:nvCxnSpPr>
-        <p:spPr>
-          <a:xfrm flipH="1">
-            <a:off x="5528360" y="4672672"/>
-            <a:ext cx="1292427" cy="431096"/>
-          </a:xfrm>
-          <a:prstGeom prst="straightConnector1">
-            <a:avLst/>
-          </a:prstGeom>
-          <a:ln>
-            <a:tailEnd type="triangle"/>
-          </a:ln>
-        </p:spPr>
-        <p:style>
-          <a:lnRef idx="2">
-            <a:schemeClr val="accent1"/>
-          </a:lnRef>
-          <a:fillRef idx="0">
-            <a:schemeClr val="accent1"/>
-          </a:fillRef>
-          <a:effectRef idx="1">
-            <a:schemeClr val="accent1"/>
-          </a:effectRef>
-          <a:fontRef idx="minor">
-            <a:schemeClr val="tx1"/>
-          </a:fontRef>
-        </p:style>
-      </p:cxnSp>
-      <p:cxnSp>
-        <p:nvCxnSpPr>
-          <p:cNvPr id="46" name="Straight Arrow Connector 45">
-            <a:extLst>
-              <a:ext uri="{FF2B5EF4-FFF2-40B4-BE49-F238E27FC236}">
-                <a16:creationId xmlns:a16="http://schemas.microsoft.com/office/drawing/2014/main" id="{E078FAAE-4B38-BFAC-9485-C87692D01594}"/>
-              </a:ext>
-            </a:extLst>
-          </p:cNvPr>
-          <p:cNvCxnSpPr>
-            <a:cxnSpLocks/>
-            <a:stCxn id="26" idx="1"/>
-          </p:cNvCxnSpPr>
-          <p:nvPr/>
-        </p:nvCxnSpPr>
-        <p:spPr>
-          <a:xfrm flipH="1" flipV="1">
-            <a:off x="6900804" y="4601746"/>
-            <a:ext cx="1413424" cy="75269"/>
-          </a:xfrm>
-          <a:prstGeom prst="straightConnector1">
-            <a:avLst/>
-          </a:prstGeom>
-          <a:ln>
-            <a:headEnd type="stealth"/>
-            <a:tailEnd type="none"/>
-          </a:ln>
-        </p:spPr>
-        <p:style>
-          <a:lnRef idx="2">
-            <a:schemeClr val="accent1"/>
-          </a:lnRef>
-          <a:fillRef idx="0">
-            <a:schemeClr val="accent1"/>
-          </a:fillRef>
-          <a:effectRef idx="1">
-            <a:schemeClr val="accent1"/>
-          </a:effectRef>
-          <a:fontRef idx="minor">
-            <a:schemeClr val="tx1"/>
-          </a:fontRef>
-        </p:style>
-      </p:cxnSp>
-      <p:cxnSp>
-        <p:nvCxnSpPr>
-          <p:cNvPr id="47" name="Straight Arrow Connector 46">
-            <a:extLst>
-              <a:ext uri="{FF2B5EF4-FFF2-40B4-BE49-F238E27FC236}">
-                <a16:creationId xmlns:a16="http://schemas.microsoft.com/office/drawing/2014/main" id="{A68FBF8D-9E3A-330D-0A15-54D10D3FD04F}"/>
-              </a:ext>
-            </a:extLst>
-          </p:cNvPr>
-          <p:cNvCxnSpPr>
-            <a:cxnSpLocks/>
-            <a:stCxn id="55" idx="2"/>
-            <a:endCxn id="17" idx="2"/>
-          </p:cNvCxnSpPr>
-          <p:nvPr/>
-        </p:nvCxnSpPr>
-        <p:spPr>
-          <a:xfrm>
-            <a:off x="873255" y="5874296"/>
-            <a:ext cx="1605147" cy="505735"/>
-          </a:xfrm>
-          <a:prstGeom prst="straightConnector1">
-            <a:avLst/>
-          </a:prstGeom>
-          <a:ln>
-            <a:tailEnd type="triangle"/>
-          </a:ln>
-        </p:spPr>
-        <p:style>
-          <a:lnRef idx="2">
-            <a:schemeClr val="accent1"/>
-          </a:lnRef>
-          <a:fillRef idx="0">
-            <a:schemeClr val="accent1"/>
-          </a:fillRef>
-          <a:effectRef idx="1">
-            <a:schemeClr val="accent1"/>
-          </a:effectRef>
-          <a:fontRef idx="minor">
-            <a:schemeClr val="tx1"/>
-          </a:fontRef>
-        </p:style>
-      </p:cxnSp>
-      <p:sp>
-        <p:nvSpPr>
-          <p:cNvPr id="48" name="Rectangle: Rounded Corners 47">
-            <a:extLst>
-              <a:ext uri="{FF2B5EF4-FFF2-40B4-BE49-F238E27FC236}">
-                <a16:creationId xmlns:a16="http://schemas.microsoft.com/office/drawing/2014/main" id="{2397571A-C863-E4B8-51AE-2B39BD9860DD}"/>
+          <p:cNvPr id="50" name="Rectangle: Rounded Corners 49">
+            <a:extLst>
+              <a:ext uri="{FF2B5EF4-FFF2-40B4-BE49-F238E27FC236}">
+                <a16:creationId xmlns:a16="http://schemas.microsoft.com/office/drawing/2014/main" id="{8A66A7E6-C103-8659-6D9D-104DB11A8B91}"/>
               </a:ext>
             </a:extLst>
           </p:cNvPr>
@@ -5407,8 +5320,8 @@
         </p:nvSpPr>
         <p:spPr>
           <a:xfrm>
-            <a:off x="6792383" y="5124556"/>
-            <a:ext cx="1598489" cy="1586323"/>
+            <a:off x="10892987" y="5591078"/>
+            <a:ext cx="1268977" cy="681194"/>
           </a:xfrm>
           <a:prstGeom prst="roundRect">
             <a:avLst/>
@@ -5434,83 +5347,31 @@
           <a:p>
             <a:pPr algn="ctr"/>
             <a:r>
-              <a:rPr lang="en-US" sz="1600" dirty="0" err="1"/>
-              <a:t>Truy</a:t>
-            </a:r>
-            <a:r>
-              <a:rPr lang="en-US" sz="1600" dirty="0"/>
+              <a:rPr lang="en-US" dirty="0"/>
+              <a:t>Thông </a:t>
+            </a:r>
+            <a:r>
+              <a:rPr lang="en-US" dirty="0" err="1"/>
+              <a:t>báo</a:t>
+            </a:r>
+            <a:r>
+              <a:rPr lang="en-US" dirty="0"/>
               <a:t> </a:t>
             </a:r>
             <a:r>
-              <a:rPr lang="en-US" sz="1600" dirty="0" err="1"/>
-              <a:t>vấn</a:t>
-            </a:r>
-            <a:r>
-              <a:rPr lang="en-US" sz="1600" dirty="0"/>
-              <a:t> user online </a:t>
-            </a:r>
-            <a:r>
-              <a:rPr lang="en-US" sz="1600" dirty="0" err="1"/>
-              <a:t>trên</a:t>
-            </a:r>
-            <a:r>
-              <a:rPr lang="en-US" sz="1600" dirty="0"/>
-              <a:t> graph. Ranking </a:t>
-            </a:r>
-            <a:r>
-              <a:rPr lang="en-US" sz="1600" dirty="0" err="1"/>
-              <a:t>người</a:t>
-            </a:r>
-            <a:r>
-              <a:rPr lang="en-US" sz="1600" dirty="0"/>
+              <a:rPr lang="en-US" dirty="0" err="1"/>
+              <a:t>bài</a:t>
+            </a:r>
+            <a:r>
+              <a:rPr lang="en-US" dirty="0"/>
               <a:t> </a:t>
             </a:r>
             <a:r>
-              <a:rPr lang="en-US" sz="1600" dirty="0" err="1"/>
-              <a:t>dùng</a:t>
-            </a:r>
-            <a:r>
-              <a:rPr lang="en-US" sz="1600" dirty="0"/>
-              <a:t> </a:t>
-            </a:r>
-            <a:r>
-              <a:rPr lang="en-US" sz="1600" dirty="0" err="1"/>
-              <a:t>để</a:t>
-            </a:r>
-            <a:r>
-              <a:rPr lang="en-US" sz="1600" dirty="0"/>
-              <a:t> </a:t>
-            </a:r>
-            <a:r>
-              <a:rPr lang="en-US" sz="1600" dirty="0" err="1"/>
-              <a:t>ưu</a:t>
-            </a:r>
-            <a:r>
-              <a:rPr lang="en-US" sz="1600" dirty="0"/>
-              <a:t> </a:t>
-            </a:r>
-            <a:r>
-              <a:rPr lang="en-US" sz="1600" dirty="0" err="1"/>
-              <a:t>tiên</a:t>
-            </a:r>
-            <a:r>
-              <a:rPr lang="en-US" sz="1600" dirty="0"/>
-              <a:t> </a:t>
-            </a:r>
-            <a:r>
-              <a:rPr lang="en-US" sz="1600" dirty="0" err="1"/>
-              <a:t>thông</a:t>
-            </a:r>
-            <a:r>
-              <a:rPr lang="en-US" sz="1600" dirty="0"/>
-              <a:t> </a:t>
-            </a:r>
-            <a:r>
-              <a:rPr lang="en-US" sz="1600" dirty="0" err="1"/>
-              <a:t>báo</a:t>
-            </a:r>
-            <a:r>
-              <a:rPr lang="en-US" sz="1600" dirty="0"/>
+              <a:rPr lang="en-US" dirty="0" err="1"/>
+              <a:t>viêt</a:t>
+            </a:r>
+            <a:r>
+              <a:rPr lang="en-US" dirty="0"/>
               <a:t> </a:t>
             </a:r>
           </a:p>
@@ -5518,23 +5379,24 @@
       </p:sp>
       <p:cxnSp>
         <p:nvCxnSpPr>
-          <p:cNvPr id="49" name="Straight Arrow Connector 48">
-            <a:extLst>
-              <a:ext uri="{FF2B5EF4-FFF2-40B4-BE49-F238E27FC236}">
-                <a16:creationId xmlns:a16="http://schemas.microsoft.com/office/drawing/2014/main" id="{81D4831F-D202-5069-2EB8-50728CD276AF}"/>
+          <p:cNvPr id="51" name="Straight Arrow Connector 50">
+            <a:extLst>
+              <a:ext uri="{FF2B5EF4-FFF2-40B4-BE49-F238E27FC236}">
+                <a16:creationId xmlns:a16="http://schemas.microsoft.com/office/drawing/2014/main" id="{D407A5CE-39EE-00A5-770C-066D504FF658}"/>
               </a:ext>
             </a:extLst>
           </p:cNvPr>
           <p:cNvCxnSpPr>
             <a:cxnSpLocks/>
-            <a:stCxn id="42" idx="2"/>
+            <a:stCxn id="48" idx="3"/>
+            <a:endCxn id="50" idx="1"/>
           </p:cNvCxnSpPr>
           <p:nvPr/>
         </p:nvCxnSpPr>
         <p:spPr>
-          <a:xfrm>
-            <a:off x="5421376" y="5913136"/>
-            <a:ext cx="1371007" cy="357778"/>
+          <a:xfrm flipV="1">
+            <a:off x="9333719" y="5931675"/>
+            <a:ext cx="1559268" cy="77701"/>
           </a:xfrm>
           <a:prstGeom prst="straightConnector1">
             <a:avLst/>
@@ -5560,10 +5422,10 @@
       </p:cxnSp>
       <p:sp>
         <p:nvSpPr>
-          <p:cNvPr id="50" name="Rectangle: Rounded Corners 49">
-            <a:extLst>
-              <a:ext uri="{FF2B5EF4-FFF2-40B4-BE49-F238E27FC236}">
-                <a16:creationId xmlns:a16="http://schemas.microsoft.com/office/drawing/2014/main" id="{8A66A7E6-C103-8659-6D9D-104DB11A8B91}"/>
+          <p:cNvPr id="52" name="Oval 51">
+            <a:extLst>
+              <a:ext uri="{FF2B5EF4-FFF2-40B4-BE49-F238E27FC236}">
+                <a16:creationId xmlns:a16="http://schemas.microsoft.com/office/drawing/2014/main" id="{A47A529A-D34A-99DF-8758-A1FCB6152565}"/>
               </a:ext>
             </a:extLst>
           </p:cNvPr>
@@ -5572,10 +5434,10 @@
         </p:nvSpPr>
         <p:spPr>
           <a:xfrm>
-            <a:off x="10417527" y="5442397"/>
-            <a:ext cx="1598489" cy="776955"/>
-          </a:xfrm>
-          <a:prstGeom prst="roundRect">
+            <a:off x="11381810" y="3990566"/>
+            <a:ext cx="299037" cy="275842"/>
+          </a:xfrm>
+          <a:prstGeom prst="ellipse">
             <a:avLst/>
           </a:prstGeom>
         </p:spPr>
@@ -5598,86 +5460,16 @@
           <a:lstStyle/>
           <a:p>
             <a:pPr algn="ctr"/>
-            <a:r>
-              <a:rPr lang="en-US" dirty="0"/>
-              <a:t>Thông </a:t>
-            </a:r>
-            <a:r>
-              <a:rPr lang="en-US" dirty="0" err="1"/>
-              <a:t>báo</a:t>
-            </a:r>
-            <a:r>
-              <a:rPr lang="en-US" dirty="0"/>
-              <a:t> </a:t>
-            </a:r>
-            <a:r>
-              <a:rPr lang="en-US" dirty="0" err="1"/>
-              <a:t>bài</a:t>
-            </a:r>
-            <a:r>
-              <a:rPr lang="en-US" dirty="0"/>
-              <a:t> </a:t>
-            </a:r>
-            <a:r>
-              <a:rPr lang="en-US" dirty="0" err="1"/>
-              <a:t>viêt</a:t>
-            </a:r>
-            <a:r>
-              <a:rPr lang="en-US" dirty="0"/>
-              <a:t> </a:t>
-            </a:r>
-          </a:p>
-        </p:txBody>
-      </p:sp>
-      <p:cxnSp>
-        <p:nvCxnSpPr>
-          <p:cNvPr id="51" name="Straight Arrow Connector 50">
-            <a:extLst>
-              <a:ext uri="{FF2B5EF4-FFF2-40B4-BE49-F238E27FC236}">
-                <a16:creationId xmlns:a16="http://schemas.microsoft.com/office/drawing/2014/main" id="{D407A5CE-39EE-00A5-770C-066D504FF658}"/>
-              </a:ext>
-            </a:extLst>
-          </p:cNvPr>
-          <p:cNvCxnSpPr>
-            <a:cxnSpLocks/>
-            <a:stCxn id="48" idx="3"/>
-            <a:endCxn id="50" idx="1"/>
-          </p:cNvCxnSpPr>
-          <p:nvPr/>
-        </p:nvCxnSpPr>
-        <p:spPr>
-          <a:xfrm flipV="1">
-            <a:off x="8390872" y="5830875"/>
-            <a:ext cx="2026655" cy="86843"/>
-          </a:xfrm>
-          <a:prstGeom prst="straightConnector1">
-            <a:avLst/>
-          </a:prstGeom>
-          <a:ln>
-            <a:tailEnd type="triangle"/>
-          </a:ln>
-        </p:spPr>
-        <p:style>
-          <a:lnRef idx="2">
-            <a:schemeClr val="accent1"/>
-          </a:lnRef>
-          <a:fillRef idx="0">
-            <a:schemeClr val="accent1"/>
-          </a:fillRef>
-          <a:effectRef idx="1">
-            <a:schemeClr val="accent1"/>
-          </a:effectRef>
-          <a:fontRef idx="minor">
-            <a:schemeClr val="tx1"/>
-          </a:fontRef>
-        </p:style>
-      </p:cxnSp>
-      <p:sp>
-        <p:nvSpPr>
-          <p:cNvPr id="52" name="Oval 51">
-            <a:extLst>
-              <a:ext uri="{FF2B5EF4-FFF2-40B4-BE49-F238E27FC236}">
-                <a16:creationId xmlns:a16="http://schemas.microsoft.com/office/drawing/2014/main" id="{A47A529A-D34A-99DF-8758-A1FCB6152565}"/>
+            <a:endParaRPr lang="en-US"/>
+          </a:p>
+        </p:txBody>
+      </p:sp>
+      <p:sp>
+        <p:nvSpPr>
+          <p:cNvPr id="53" name="Oval 52">
+            <a:extLst>
+              <a:ext uri="{FF2B5EF4-FFF2-40B4-BE49-F238E27FC236}">
+                <a16:creationId xmlns:a16="http://schemas.microsoft.com/office/drawing/2014/main" id="{C7B6E361-2604-6D9E-5D5A-19495228E18D}"/>
               </a:ext>
             </a:extLst>
           </p:cNvPr>
@@ -5686,51 +5478,7 @@
         </p:nvSpPr>
         <p:spPr>
           <a:xfrm>
-            <a:off x="11308540" y="4140856"/>
-            <a:ext cx="299037" cy="275842"/>
-          </a:xfrm>
-          <a:prstGeom prst="ellipse">
-            <a:avLst/>
-          </a:prstGeom>
-        </p:spPr>
-        <p:style>
-          <a:lnRef idx="2">
-            <a:schemeClr val="accent6"/>
-          </a:lnRef>
-          <a:fillRef idx="1">
-            <a:schemeClr val="lt1"/>
-          </a:fillRef>
-          <a:effectRef idx="0">
-            <a:schemeClr val="accent6"/>
-          </a:effectRef>
-          <a:fontRef idx="minor">
-            <a:schemeClr val="dk1"/>
-          </a:fontRef>
-        </p:style>
-        <p:txBody>
-          <a:bodyPr rtlCol="0" anchor="ctr"/>
-          <a:lstStyle/>
-          <a:p>
-            <a:pPr algn="ctr"/>
-            <a:endParaRPr lang="en-US"/>
-          </a:p>
-        </p:txBody>
-      </p:sp>
-      <p:sp>
-        <p:nvSpPr>
-          <p:cNvPr id="53" name="Oval 52">
-            <a:extLst>
-              <a:ext uri="{FF2B5EF4-FFF2-40B4-BE49-F238E27FC236}">
-                <a16:creationId xmlns:a16="http://schemas.microsoft.com/office/drawing/2014/main" id="{C7B6E361-2604-6D9E-5D5A-19495228E18D}"/>
-              </a:ext>
-            </a:extLst>
-          </p:cNvPr>
-          <p:cNvSpPr/>
-          <p:nvPr/>
-        </p:nvSpPr>
-        <p:spPr>
-          <a:xfrm>
-            <a:off x="11376109" y="4184575"/>
+            <a:off x="11449379" y="4034285"/>
             <a:ext cx="165937" cy="184097"/>
           </a:xfrm>
           <a:prstGeom prst="ellipse">
@@ -5780,8 +5528,8 @@
         </p:nvCxnSpPr>
         <p:spPr>
           <a:xfrm flipV="1">
-            <a:off x="11216772" y="4416698"/>
-            <a:ext cx="241287" cy="1025699"/>
+            <a:off x="11527476" y="4266408"/>
+            <a:ext cx="3853" cy="1324670"/>
           </a:xfrm>
           <a:prstGeom prst="straightConnector1">
             <a:avLst/>
@@ -5819,7 +5567,7 @@
         </p:nvSpPr>
         <p:spPr>
           <a:xfrm>
-            <a:off x="158750" y="5281535"/>
+            <a:off x="3691258" y="4359129"/>
             <a:ext cx="1429010" cy="592761"/>
           </a:xfrm>
           <a:prstGeom prst="roundRect">
@@ -5897,8 +5645,8 @@
         </p:nvCxnSpPr>
         <p:spPr>
           <a:xfrm flipH="1">
-            <a:off x="3069588" y="4702125"/>
-            <a:ext cx="3751199" cy="127316"/>
+            <a:off x="2821884" y="4346921"/>
+            <a:ext cx="4176134" cy="1437042"/>
           </a:xfrm>
           <a:prstGeom prst="straightConnector1">
             <a:avLst/>
@@ -5980,15 +5728,15 @@
           </p:cNvPr>
           <p:cNvCxnSpPr>
             <a:cxnSpLocks/>
-            <a:stCxn id="63" idx="1"/>
+            <a:stCxn id="89" idx="1"/>
             <a:endCxn id="57" idx="3"/>
           </p:cNvCxnSpPr>
           <p:nvPr/>
         </p:nvCxnSpPr>
         <p:spPr>
           <a:xfrm flipH="1">
-            <a:off x="8275481" y="3161499"/>
-            <a:ext cx="464165" cy="96571"/>
+            <a:off x="8275481" y="2420620"/>
+            <a:ext cx="1353932" cy="837450"/>
           </a:xfrm>
           <a:prstGeom prst="straightConnector1">
             <a:avLst/>
@@ -6026,8 +5774,8 @@
           <p:nvPr/>
         </p:nvSpPr>
         <p:spPr>
-          <a:xfrm rot="20721733">
-            <a:off x="8159011" y="2830769"/>
+          <a:xfrm>
+            <a:off x="8315923" y="2766960"/>
             <a:ext cx="1174407" cy="261610"/>
           </a:xfrm>
           <a:prstGeom prst="rect">
@@ -6104,14 +5852,14 @@
           <p:cNvCxnSpPr>
             <a:cxnSpLocks/>
             <a:stCxn id="67" idx="3"/>
-            <a:endCxn id="65" idx="0"/>
+            <a:endCxn id="94" idx="1"/>
           </p:cNvCxnSpPr>
           <p:nvPr/>
         </p:nvCxnSpPr>
         <p:spPr>
           <a:xfrm flipV="1">
-            <a:off x="8815183" y="3513548"/>
-            <a:ext cx="575263" cy="349767"/>
+            <a:off x="8815183" y="3643838"/>
+            <a:ext cx="822745" cy="219477"/>
           </a:xfrm>
           <a:prstGeom prst="straightConnector1">
             <a:avLst/>
@@ -6153,8 +5901,8 @@
         </p:nvCxnSpPr>
         <p:spPr>
           <a:xfrm flipV="1">
-            <a:off x="7002054" y="4113492"/>
-            <a:ext cx="1384340" cy="399320"/>
+            <a:off x="6993880" y="4113492"/>
+            <a:ext cx="1392514" cy="104890"/>
           </a:xfrm>
           <a:prstGeom prst="straightConnector1">
             <a:avLst/>
@@ -6181,10 +5929,130 @@
       </p:cxnSp>
       <p:sp>
         <p:nvSpPr>
-          <p:cNvPr id="63" name="Diamond 62">
-            <a:extLst>
-              <a:ext uri="{FF2B5EF4-FFF2-40B4-BE49-F238E27FC236}">
-                <a16:creationId xmlns:a16="http://schemas.microsoft.com/office/drawing/2014/main" id="{384A07AD-F27B-5D87-F9DD-2B2DD03C0B56}"/>
+          <p:cNvPr id="65" name="TextBox 64">
+            <a:extLst>
+              <a:ext uri="{FF2B5EF4-FFF2-40B4-BE49-F238E27FC236}">
+                <a16:creationId xmlns:a16="http://schemas.microsoft.com/office/drawing/2014/main" id="{FDA37EA9-AAB3-30A6-FA25-4BD06E5FFD02}"/>
+              </a:ext>
+            </a:extLst>
+          </p:cNvPr>
+          <p:cNvSpPr txBox="1"/>
+          <p:nvPr/>
+        </p:nvSpPr>
+        <p:spPr>
+          <a:xfrm>
+            <a:off x="9032310" y="3754828"/>
+            <a:ext cx="1174407" cy="261610"/>
+          </a:xfrm>
+          <a:prstGeom prst="rect">
+            <a:avLst/>
+          </a:prstGeom>
+          <a:noFill/>
+        </p:spPr>
+        <p:txBody>
+          <a:bodyPr wrap="square" rtlCol="0">
+            <a:spAutoFit/>
+          </a:bodyPr>
+          <a:lstStyle/>
+          <a:p>
+            <a:r>
+              <a:rPr lang="en-US" sz="1100" dirty="0"/>
+              <a:t>true</a:t>
+            </a:r>
+          </a:p>
+        </p:txBody>
+      </p:sp>
+      <p:sp>
+        <p:nvSpPr>
+          <p:cNvPr id="66" name="TextBox 65">
+            <a:extLst>
+              <a:ext uri="{FF2B5EF4-FFF2-40B4-BE49-F238E27FC236}">
+                <a16:creationId xmlns:a16="http://schemas.microsoft.com/office/drawing/2014/main" id="{146F710B-7072-7075-3BE8-457691777AC6}"/>
+              </a:ext>
+            </a:extLst>
+          </p:cNvPr>
+          <p:cNvSpPr txBox="1"/>
+          <p:nvPr/>
+        </p:nvSpPr>
+        <p:spPr>
+          <a:xfrm>
+            <a:off x="10119249" y="4435468"/>
+            <a:ext cx="2262335" cy="461665"/>
+          </a:xfrm>
+          <a:prstGeom prst="rect">
+            <a:avLst/>
+          </a:prstGeom>
+          <a:noFill/>
+        </p:spPr>
+        <p:txBody>
+          <a:bodyPr wrap="square" rtlCol="0">
+            <a:spAutoFit/>
+          </a:bodyPr>
+          <a:lstStyle/>
+          <a:p>
+            <a:r>
+              <a:rPr lang="en-US" sz="1200" dirty="0"/>
+              <a:t>False </a:t>
+            </a:r>
+            <a:r>
+              <a:rPr lang="en-US" sz="1200" dirty="0" err="1"/>
+              <a:t>gửi</a:t>
+            </a:r>
+            <a:r>
+              <a:rPr lang="en-US" sz="1200" dirty="0"/>
+              <a:t> </a:t>
+            </a:r>
+            <a:r>
+              <a:rPr lang="en-US" sz="1200" dirty="0" err="1"/>
+              <a:t>thông</a:t>
+            </a:r>
+            <a:r>
+              <a:rPr lang="en-US" sz="1200" dirty="0"/>
+              <a:t> </a:t>
+            </a:r>
+            <a:r>
+              <a:rPr lang="en-US" sz="1200" dirty="0" err="1"/>
+              <a:t>báo</a:t>
+            </a:r>
+            <a:r>
+              <a:rPr lang="en-US" sz="1200" dirty="0"/>
+              <a:t> </a:t>
+            </a:r>
+          </a:p>
+          <a:p>
+            <a:r>
+              <a:rPr lang="en-US" sz="1200" dirty="0" err="1"/>
+              <a:t>cho</a:t>
+            </a:r>
+            <a:r>
+              <a:rPr lang="en-US" sz="1200" dirty="0"/>
+              <a:t> </a:t>
+            </a:r>
+            <a:r>
+              <a:rPr lang="en-US" sz="1200" dirty="0" err="1"/>
+              <a:t>người</a:t>
+            </a:r>
+            <a:r>
+              <a:rPr lang="en-US" sz="1200" dirty="0"/>
+              <a:t> </a:t>
+            </a:r>
+            <a:r>
+              <a:rPr lang="en-US" sz="1200" dirty="0" err="1"/>
+              <a:t>dùng</a:t>
+            </a:r>
+            <a:r>
+              <a:rPr lang="en-US" sz="1200" dirty="0"/>
+              <a:t> </a:t>
+            </a:r>
+          </a:p>
+        </p:txBody>
+      </p:sp>
+      <p:sp>
+        <p:nvSpPr>
+          <p:cNvPr id="67" name="Diamond 66">
+            <a:extLst>
+              <a:ext uri="{FF2B5EF4-FFF2-40B4-BE49-F238E27FC236}">
+                <a16:creationId xmlns:a16="http://schemas.microsoft.com/office/drawing/2014/main" id="{24AA5567-9EA9-787B-F620-FD066BE35483}"/>
               </a:ext>
             </a:extLst>
           </p:cNvPr>
@@ -6193,8 +6061,8 @@
         </p:nvSpPr>
         <p:spPr>
           <a:xfrm>
-            <a:off x="8739646" y="2855881"/>
-            <a:ext cx="1260645" cy="611236"/>
+            <a:off x="7957605" y="3613137"/>
+            <a:ext cx="857578" cy="500355"/>
           </a:xfrm>
           <a:prstGeom prst="diamond">
             <a:avLst/>
@@ -6220,39 +6088,104 @@
           <a:p>
             <a:pPr algn="ctr"/>
             <a:r>
-              <a:rPr lang="en-US" sz="1200" dirty="0"/>
-              <a:t>Ad G check</a:t>
+              <a:rPr lang="en-US" sz="1000" dirty="0"/>
+              <a:t>Merger</a:t>
+            </a:r>
+          </a:p>
+        </p:txBody>
+      </p:sp>
+      <p:sp>
+        <p:nvSpPr>
+          <p:cNvPr id="102" name="TextBox 101">
+            <a:extLst>
+              <a:ext uri="{FF2B5EF4-FFF2-40B4-BE49-F238E27FC236}">
+                <a16:creationId xmlns:a16="http://schemas.microsoft.com/office/drawing/2014/main" id="{C426A69A-35D1-B23A-6A53-15BC4161E96C}"/>
+              </a:ext>
+            </a:extLst>
+          </p:cNvPr>
+          <p:cNvSpPr txBox="1"/>
+          <p:nvPr/>
+        </p:nvSpPr>
+        <p:spPr>
+          <a:xfrm>
+            <a:off x="3683100" y="3130813"/>
+            <a:ext cx="955859" cy="369332"/>
+          </a:xfrm>
+          <a:prstGeom prst="rect">
+            <a:avLst/>
+          </a:prstGeom>
+          <a:noFill/>
+        </p:spPr>
+        <p:txBody>
+          <a:bodyPr wrap="square" rtlCol="0">
+            <a:spAutoFit/>
+          </a:bodyPr>
+          <a:lstStyle/>
+          <a:p>
+            <a:r>
+              <a:rPr lang="en-US" dirty="0"/>
+              <a:t>Submit</a:t>
+            </a:r>
+          </a:p>
+        </p:txBody>
+      </p:sp>
+      <p:sp>
+        <p:nvSpPr>
+          <p:cNvPr id="105" name="TextBox 104">
+            <a:extLst>
+              <a:ext uri="{FF2B5EF4-FFF2-40B4-BE49-F238E27FC236}">
+                <a16:creationId xmlns:a16="http://schemas.microsoft.com/office/drawing/2014/main" id="{1C6D7B35-FBE1-DACE-125A-4301A1CE3199}"/>
+              </a:ext>
+            </a:extLst>
+          </p:cNvPr>
+          <p:cNvSpPr txBox="1"/>
+          <p:nvPr/>
+        </p:nvSpPr>
+        <p:spPr>
+          <a:xfrm>
+            <a:off x="1765153" y="2532012"/>
+            <a:ext cx="1095029" cy="369332"/>
+          </a:xfrm>
+          <a:prstGeom prst="rect">
+            <a:avLst/>
+          </a:prstGeom>
+          <a:noFill/>
+        </p:spPr>
+        <p:txBody>
+          <a:bodyPr wrap="square" rtlCol="0">
+            <a:spAutoFit/>
+          </a:bodyPr>
+          <a:lstStyle/>
+          <a:p>
+            <a:r>
+              <a:rPr lang="en-US" dirty="0"/>
+              <a:t>continue</a:t>
             </a:r>
           </a:p>
         </p:txBody>
       </p:sp>
       <p:cxnSp>
         <p:nvCxnSpPr>
-          <p:cNvPr id="64" name="Straight Arrow Connector 63">
-            <a:extLst>
-              <a:ext uri="{FF2B5EF4-FFF2-40B4-BE49-F238E27FC236}">
-                <a16:creationId xmlns:a16="http://schemas.microsoft.com/office/drawing/2014/main" id="{98A2C23B-1FF9-25A2-338B-3CC05385D7C3}"/>
+          <p:cNvPr id="86" name="Straight Connector 85">
+            <a:extLst>
+              <a:ext uri="{FF2B5EF4-FFF2-40B4-BE49-F238E27FC236}">
+                <a16:creationId xmlns:a16="http://schemas.microsoft.com/office/drawing/2014/main" id="{680A9C36-59BF-91B3-E034-E5231B8E0B6B}"/>
               </a:ext>
             </a:extLst>
           </p:cNvPr>
           <p:cNvCxnSpPr>
             <a:cxnSpLocks/>
-            <a:stCxn id="63" idx="3"/>
-            <a:endCxn id="52" idx="2"/>
           </p:cNvCxnSpPr>
           <p:nvPr/>
         </p:nvCxnSpPr>
         <p:spPr>
           <a:xfrm>
-            <a:off x="10000291" y="3161499"/>
-            <a:ext cx="1308249" cy="1117278"/>
-          </a:xfrm>
-          <a:prstGeom prst="straightConnector1">
-            <a:avLst/>
-          </a:prstGeom>
-          <a:ln>
-            <a:tailEnd type="triangle"/>
-          </a:ln>
+            <a:off x="9483238" y="19489"/>
+            <a:ext cx="79792" cy="7603171"/>
+          </a:xfrm>
+          <a:prstGeom prst="line">
+            <a:avLst/>
+          </a:prstGeom>
         </p:spPr>
         <p:style>
           <a:lnRef idx="2">
@@ -6271,10 +6204,10 @@
       </p:cxnSp>
       <p:sp>
         <p:nvSpPr>
-          <p:cNvPr id="65" name="TextBox 64">
-            <a:extLst>
-              <a:ext uri="{FF2B5EF4-FFF2-40B4-BE49-F238E27FC236}">
-                <a16:creationId xmlns:a16="http://schemas.microsoft.com/office/drawing/2014/main" id="{FDA37EA9-AAB3-30A6-FA25-4BD06E5FFD02}"/>
+          <p:cNvPr id="88" name="TextBox 87">
+            <a:extLst>
+              <a:ext uri="{FF2B5EF4-FFF2-40B4-BE49-F238E27FC236}">
+                <a16:creationId xmlns:a16="http://schemas.microsoft.com/office/drawing/2014/main" id="{9488851F-1855-AAE2-8586-BED95E8EF0A1}"/>
               </a:ext>
             </a:extLst>
           </p:cNvPr>
@@ -6282,9 +6215,9 @@
           <p:nvPr/>
         </p:nvSpPr>
         <p:spPr>
-          <a:xfrm rot="19936027">
-            <a:off x="8864112" y="3498522"/>
-            <a:ext cx="1174407" cy="261610"/>
+          <a:xfrm>
+            <a:off x="9428021" y="72549"/>
+            <a:ext cx="2763979" cy="369332"/>
           </a:xfrm>
           <a:prstGeom prst="rect">
             <a:avLst/>
@@ -6298,93 +6231,18 @@
           <a:lstStyle/>
           <a:p>
             <a:r>
-              <a:rPr lang="en-US" sz="1100" dirty="0"/>
-              <a:t>true</a:t>
-            </a:r>
-          </a:p>
-        </p:txBody>
-      </p:sp>
-      <p:sp>
-        <p:nvSpPr>
-          <p:cNvPr id="66" name="TextBox 65">
-            <a:extLst>
-              <a:ext uri="{FF2B5EF4-FFF2-40B4-BE49-F238E27FC236}">
-                <a16:creationId xmlns:a16="http://schemas.microsoft.com/office/drawing/2014/main" id="{146F710B-7072-7075-3BE8-457691777AC6}"/>
-              </a:ext>
-            </a:extLst>
-          </p:cNvPr>
-          <p:cNvSpPr txBox="1"/>
-          <p:nvPr/>
-        </p:nvSpPr>
-        <p:spPr>
-          <a:xfrm rot="2404179">
-            <a:off x="9784082" y="3199990"/>
-            <a:ext cx="2262335" cy="646331"/>
-          </a:xfrm>
-          <a:prstGeom prst="rect">
-            <a:avLst/>
-          </a:prstGeom>
-          <a:noFill/>
-        </p:spPr>
-        <p:txBody>
-          <a:bodyPr wrap="square" rtlCol="0">
-            <a:spAutoFit/>
-          </a:bodyPr>
-          <a:lstStyle/>
-          <a:p>
-            <a:r>
               <a:rPr lang="en-US" dirty="0"/>
-              <a:t>Thông </a:t>
-            </a:r>
-            <a:r>
-              <a:rPr lang="en-US" dirty="0" err="1"/>
-              <a:t>báo</a:t>
-            </a:r>
-            <a:r>
-              <a:rPr lang="en-US" dirty="0"/>
-              <a:t> </a:t>
-            </a:r>
-            <a:r>
-              <a:rPr lang="en-US" dirty="0" err="1"/>
-              <a:t>cho</a:t>
-            </a:r>
-            <a:r>
-              <a:rPr lang="en-US" dirty="0"/>
-              <a:t> </a:t>
-            </a:r>
-            <a:r>
-              <a:rPr lang="en-US" dirty="0" err="1"/>
-              <a:t>người</a:t>
-            </a:r>
-            <a:r>
-              <a:rPr lang="en-US" dirty="0"/>
-              <a:t> </a:t>
-            </a:r>
-            <a:r>
-              <a:rPr lang="en-US" dirty="0" err="1"/>
-              <a:t>dùng</a:t>
-            </a:r>
-            <a:r>
-              <a:rPr lang="en-US" dirty="0"/>
-              <a:t> </a:t>
-            </a:r>
-            <a:r>
-              <a:rPr lang="en-US" dirty="0" err="1"/>
-              <a:t>và</a:t>
-            </a:r>
-            <a:r>
-              <a:rPr lang="en-US" dirty="0"/>
-              <a:t> end</a:t>
-            </a:r>
-          </a:p>
-        </p:txBody>
-      </p:sp>
-      <p:sp>
-        <p:nvSpPr>
-          <p:cNvPr id="67" name="Diamond 66">
-            <a:extLst>
-              <a:ext uri="{FF2B5EF4-FFF2-40B4-BE49-F238E27FC236}">
-                <a16:creationId xmlns:a16="http://schemas.microsoft.com/office/drawing/2014/main" id="{24AA5567-9EA9-787B-F620-FD066BE35483}"/>
+              <a:t>:ad group</a:t>
+            </a:r>
+          </a:p>
+        </p:txBody>
+      </p:sp>
+      <p:sp>
+        <p:nvSpPr>
+          <p:cNvPr id="89" name="Rectangle: Rounded Corners 88">
+            <a:extLst>
+              <a:ext uri="{FF2B5EF4-FFF2-40B4-BE49-F238E27FC236}">
+                <a16:creationId xmlns:a16="http://schemas.microsoft.com/office/drawing/2014/main" id="{03CCC0C0-53EF-7886-6015-45530E713A0F}"/>
               </a:ext>
             </a:extLst>
           </p:cNvPr>
@@ -6393,10 +6251,10 @@
         </p:nvSpPr>
         <p:spPr>
           <a:xfrm>
-            <a:off x="7957605" y="3613137"/>
-            <a:ext cx="857578" cy="500355"/>
-          </a:xfrm>
-          <a:prstGeom prst="diamond">
+            <a:off x="9629413" y="2062881"/>
+            <a:ext cx="967880" cy="715477"/>
+          </a:xfrm>
+          <a:prstGeom prst="roundRect">
             <a:avLst/>
           </a:prstGeom>
         </p:spPr>
@@ -6419,13 +6277,417 @@
           <a:lstStyle/>
           <a:p>
             <a:pPr algn="ctr"/>
+            <a:endParaRPr lang="en-US" dirty="0"/>
+          </a:p>
+        </p:txBody>
+      </p:sp>
+      <p:sp>
+        <p:nvSpPr>
+          <p:cNvPr id="91" name="TextBox 90">
+            <a:extLst>
+              <a:ext uri="{FF2B5EF4-FFF2-40B4-BE49-F238E27FC236}">
+                <a16:creationId xmlns:a16="http://schemas.microsoft.com/office/drawing/2014/main" id="{189021DA-81B8-7708-7AD6-10C6BDE91ACF}"/>
+              </a:ext>
+            </a:extLst>
+          </p:cNvPr>
+          <p:cNvSpPr txBox="1"/>
+          <p:nvPr/>
+        </p:nvSpPr>
+        <p:spPr>
+          <a:xfrm>
+            <a:off x="9652450" y="2247963"/>
+            <a:ext cx="977994" cy="430887"/>
+          </a:xfrm>
+          <a:prstGeom prst="rect">
+            <a:avLst/>
+          </a:prstGeom>
+          <a:noFill/>
+        </p:spPr>
+        <p:txBody>
+          <a:bodyPr wrap="square" rtlCol="0">
+            <a:spAutoFit/>
+          </a:bodyPr>
+          <a:lstStyle/>
+          <a:p>
+            <a:r>
+              <a:rPr lang="en-US" sz="1100" dirty="0"/>
+              <a:t>Admin </a:t>
+            </a:r>
+            <a:r>
+              <a:rPr lang="en-US" sz="1100" dirty="0" err="1"/>
+              <a:t>duyệt</a:t>
+            </a:r>
+            <a:r>
+              <a:rPr lang="en-US" sz="1100" dirty="0"/>
+              <a:t> </a:t>
+            </a:r>
+          </a:p>
+          <a:p>
+            <a:r>
+              <a:rPr lang="en-US" sz="1100" dirty="0" err="1"/>
+              <a:t>bài</a:t>
+            </a:r>
+            <a:r>
+              <a:rPr lang="en-US" sz="1100" dirty="0"/>
+              <a:t>  </a:t>
+            </a:r>
+          </a:p>
+        </p:txBody>
+      </p:sp>
+      <p:sp>
+        <p:nvSpPr>
+          <p:cNvPr id="94" name="Diamond 93">
+            <a:extLst>
+              <a:ext uri="{FF2B5EF4-FFF2-40B4-BE49-F238E27FC236}">
+                <a16:creationId xmlns:a16="http://schemas.microsoft.com/office/drawing/2014/main" id="{39E53949-6DC9-0841-49A1-B2DCCAA49083}"/>
+              </a:ext>
+            </a:extLst>
+          </p:cNvPr>
+          <p:cNvSpPr/>
+          <p:nvPr/>
+        </p:nvSpPr>
+        <p:spPr>
+          <a:xfrm>
+            <a:off x="9637928" y="3393660"/>
+            <a:ext cx="924909" cy="500355"/>
+          </a:xfrm>
+          <a:prstGeom prst="diamond">
+            <a:avLst/>
+          </a:prstGeom>
+        </p:spPr>
+        <p:style>
+          <a:lnRef idx="2">
+            <a:schemeClr val="accent6"/>
+          </a:lnRef>
+          <a:fillRef idx="1">
+            <a:schemeClr val="lt1"/>
+          </a:fillRef>
+          <a:effectRef idx="0">
+            <a:schemeClr val="accent6"/>
+          </a:effectRef>
+          <a:fontRef idx="minor">
+            <a:schemeClr val="dk1"/>
+          </a:fontRef>
+        </p:style>
+        <p:txBody>
+          <a:bodyPr rtlCol="0" anchor="ctr"/>
+          <a:lstStyle/>
+          <a:p>
+            <a:pPr algn="ctr"/>
+            <a:r>
+              <a:rPr lang="en-US" sz="1000" dirty="0" err="1"/>
+              <a:t>Xác</a:t>
+            </a:r>
             <a:r>
               <a:rPr lang="en-US" sz="1000" dirty="0"/>
-              <a:t>Merger</a:t>
-            </a:r>
-          </a:p>
-        </p:txBody>
-      </p:sp>
+              <a:t> </a:t>
+            </a:r>
+            <a:r>
+              <a:rPr lang="en-US" sz="1000" dirty="0" err="1"/>
+              <a:t>nhận</a:t>
+            </a:r>
+            <a:endParaRPr lang="en-US" sz="1000" dirty="0"/>
+          </a:p>
+        </p:txBody>
+      </p:sp>
+      <p:cxnSp>
+        <p:nvCxnSpPr>
+          <p:cNvPr id="95" name="Straight Arrow Connector 94">
+            <a:extLst>
+              <a:ext uri="{FF2B5EF4-FFF2-40B4-BE49-F238E27FC236}">
+                <a16:creationId xmlns:a16="http://schemas.microsoft.com/office/drawing/2014/main" id="{59EBD796-8E26-FC5F-A0F4-35A8F6830B73}"/>
+              </a:ext>
+            </a:extLst>
+          </p:cNvPr>
+          <p:cNvCxnSpPr>
+            <a:cxnSpLocks/>
+            <a:stCxn id="89" idx="2"/>
+            <a:endCxn id="94" idx="0"/>
+          </p:cNvCxnSpPr>
+          <p:nvPr/>
+        </p:nvCxnSpPr>
+        <p:spPr>
+          <a:xfrm flipH="1">
+            <a:off x="10100383" y="2778358"/>
+            <a:ext cx="12970" cy="615302"/>
+          </a:xfrm>
+          <a:prstGeom prst="straightConnector1">
+            <a:avLst/>
+          </a:prstGeom>
+          <a:ln>
+            <a:tailEnd type="triangle"/>
+          </a:ln>
+        </p:spPr>
+        <p:style>
+          <a:lnRef idx="2">
+            <a:schemeClr val="accent1"/>
+          </a:lnRef>
+          <a:fillRef idx="0">
+            <a:schemeClr val="accent1"/>
+          </a:fillRef>
+          <a:effectRef idx="1">
+            <a:schemeClr val="accent1"/>
+          </a:effectRef>
+          <a:fontRef idx="minor">
+            <a:schemeClr val="tx1"/>
+          </a:fontRef>
+        </p:style>
+      </p:cxnSp>
+      <p:sp>
+        <p:nvSpPr>
+          <p:cNvPr id="2" name="Rectangle: Rounded Corners 1">
+            <a:extLst>
+              <a:ext uri="{FF2B5EF4-FFF2-40B4-BE49-F238E27FC236}">
+                <a16:creationId xmlns:a16="http://schemas.microsoft.com/office/drawing/2014/main" id="{898092D1-5737-0D32-83DE-D9D05D683B31}"/>
+              </a:ext>
+            </a:extLst>
+          </p:cNvPr>
+          <p:cNvSpPr/>
+          <p:nvPr/>
+        </p:nvSpPr>
+        <p:spPr>
+          <a:xfrm>
+            <a:off x="8155985" y="4376339"/>
+            <a:ext cx="1226327" cy="620529"/>
+          </a:xfrm>
+          <a:prstGeom prst="roundRect">
+            <a:avLst/>
+          </a:prstGeom>
+        </p:spPr>
+        <p:style>
+          <a:lnRef idx="2">
+            <a:schemeClr val="accent6"/>
+          </a:lnRef>
+          <a:fillRef idx="1">
+            <a:schemeClr val="lt1"/>
+          </a:fillRef>
+          <a:effectRef idx="0">
+            <a:schemeClr val="accent6"/>
+          </a:effectRef>
+          <a:fontRef idx="minor">
+            <a:schemeClr val="dk1"/>
+          </a:fontRef>
+        </p:style>
+        <p:txBody>
+          <a:bodyPr rtlCol="0" anchor="ctr"/>
+          <a:lstStyle/>
+          <a:p>
+            <a:pPr algn="ctr"/>
+            <a:r>
+              <a:rPr lang="en-US" sz="1200" dirty="0" err="1"/>
+              <a:t>Chuyển</a:t>
+            </a:r>
+            <a:r>
+              <a:rPr lang="en-US" sz="1200" dirty="0"/>
+              <a:t> </a:t>
+            </a:r>
+            <a:r>
+              <a:rPr lang="en-US" sz="1200" dirty="0" err="1"/>
+              <a:t>bài</a:t>
+            </a:r>
+            <a:r>
+              <a:rPr lang="en-US" sz="1200" dirty="0"/>
+              <a:t> </a:t>
+            </a:r>
+            <a:r>
+              <a:rPr lang="en-US" sz="1200" dirty="0" err="1"/>
+              <a:t>viết</a:t>
+            </a:r>
+            <a:r>
+              <a:rPr lang="en-US" sz="1200" dirty="0"/>
+              <a:t> </a:t>
+            </a:r>
+            <a:r>
+              <a:rPr lang="en-US" sz="1200" dirty="0" err="1"/>
+              <a:t>vào</a:t>
+            </a:r>
+            <a:r>
+              <a:rPr lang="en-US" sz="1200" dirty="0"/>
+              <a:t> </a:t>
+            </a:r>
+            <a:r>
+              <a:rPr lang="en-US" sz="1200" dirty="0" err="1"/>
+              <a:t>thùng</a:t>
+            </a:r>
+            <a:r>
+              <a:rPr lang="en-US" sz="1200" dirty="0"/>
+              <a:t> </a:t>
+            </a:r>
+            <a:r>
+              <a:rPr lang="en-US" sz="1200" dirty="0" err="1"/>
+              <a:t>rác</a:t>
+            </a:r>
+            <a:r>
+              <a:rPr lang="en-US" sz="1200" dirty="0"/>
+              <a:t> </a:t>
+            </a:r>
+          </a:p>
+        </p:txBody>
+      </p:sp>
+      <p:cxnSp>
+        <p:nvCxnSpPr>
+          <p:cNvPr id="3" name="Straight Arrow Connector 2">
+            <a:extLst>
+              <a:ext uri="{FF2B5EF4-FFF2-40B4-BE49-F238E27FC236}">
+                <a16:creationId xmlns:a16="http://schemas.microsoft.com/office/drawing/2014/main" id="{3EC1C36B-65C8-67EA-8961-65F90DB8A51E}"/>
+              </a:ext>
+            </a:extLst>
+          </p:cNvPr>
+          <p:cNvCxnSpPr>
+            <a:cxnSpLocks/>
+            <a:stCxn id="94" idx="2"/>
+          </p:cNvCxnSpPr>
+          <p:nvPr/>
+        </p:nvCxnSpPr>
+        <p:spPr>
+          <a:xfrm>
+            <a:off x="10100383" y="3894015"/>
+            <a:ext cx="6485" cy="474657"/>
+          </a:xfrm>
+          <a:prstGeom prst="straightConnector1">
+            <a:avLst/>
+          </a:prstGeom>
+          <a:ln>
+            <a:tailEnd type="triangle"/>
+          </a:ln>
+        </p:spPr>
+        <p:style>
+          <a:lnRef idx="2">
+            <a:schemeClr val="accent1"/>
+          </a:lnRef>
+          <a:fillRef idx="0">
+            <a:schemeClr val="accent1"/>
+          </a:fillRef>
+          <a:effectRef idx="1">
+            <a:schemeClr val="accent1"/>
+          </a:effectRef>
+          <a:fontRef idx="minor">
+            <a:schemeClr val="tx1"/>
+          </a:fontRef>
+        </p:style>
+      </p:cxnSp>
+      <p:cxnSp>
+        <p:nvCxnSpPr>
+          <p:cNvPr id="19" name="Straight Connector 18">
+            <a:extLst>
+              <a:ext uri="{FF2B5EF4-FFF2-40B4-BE49-F238E27FC236}">
+                <a16:creationId xmlns:a16="http://schemas.microsoft.com/office/drawing/2014/main" id="{B57D8C14-8E3F-0FD8-1C3A-682897DA1E65}"/>
+              </a:ext>
+            </a:extLst>
+          </p:cNvPr>
+          <p:cNvCxnSpPr>
+            <a:cxnSpLocks/>
+          </p:cNvCxnSpPr>
+          <p:nvPr/>
+        </p:nvCxnSpPr>
+        <p:spPr>
+          <a:xfrm flipH="1">
+            <a:off x="9906694" y="4372766"/>
+            <a:ext cx="467264" cy="6992"/>
+          </a:xfrm>
+          <a:prstGeom prst="line">
+            <a:avLst/>
+          </a:prstGeom>
+        </p:spPr>
+        <p:style>
+          <a:lnRef idx="2">
+            <a:schemeClr val="accent1"/>
+          </a:lnRef>
+          <a:fillRef idx="0">
+            <a:schemeClr val="accent1"/>
+          </a:fillRef>
+          <a:effectRef idx="1">
+            <a:schemeClr val="accent1"/>
+          </a:effectRef>
+          <a:fontRef idx="minor">
+            <a:schemeClr val="tx1"/>
+          </a:fontRef>
+        </p:style>
+      </p:cxnSp>
+      <p:cxnSp>
+        <p:nvCxnSpPr>
+          <p:cNvPr id="32" name="Straight Arrow Connector 31">
+            <a:extLst>
+              <a:ext uri="{FF2B5EF4-FFF2-40B4-BE49-F238E27FC236}">
+                <a16:creationId xmlns:a16="http://schemas.microsoft.com/office/drawing/2014/main" id="{D0AF43BA-8274-9169-A023-9E80A864B053}"/>
+              </a:ext>
+            </a:extLst>
+          </p:cNvPr>
+          <p:cNvCxnSpPr>
+            <a:cxnSpLocks/>
+            <a:endCxn id="2" idx="3"/>
+          </p:cNvCxnSpPr>
+          <p:nvPr/>
+        </p:nvCxnSpPr>
+        <p:spPr>
+          <a:xfrm flipH="1">
+            <a:off x="9382312" y="4353373"/>
+            <a:ext cx="742170" cy="333231"/>
+          </a:xfrm>
+          <a:prstGeom prst="straightConnector1">
+            <a:avLst/>
+          </a:prstGeom>
+          <a:ln>
+            <a:tailEnd type="triangle"/>
+          </a:ln>
+        </p:spPr>
+        <p:style>
+          <a:lnRef idx="2">
+            <a:schemeClr val="accent1"/>
+          </a:lnRef>
+          <a:fillRef idx="0">
+            <a:schemeClr val="accent1"/>
+          </a:fillRef>
+          <a:effectRef idx="1">
+            <a:schemeClr val="accent1"/>
+          </a:effectRef>
+          <a:fontRef idx="minor">
+            <a:schemeClr val="tx1"/>
+          </a:fontRef>
+        </p:style>
+      </p:cxnSp>
+      <p:cxnSp>
+        <p:nvCxnSpPr>
+          <p:cNvPr id="68" name="Straight Arrow Connector 67">
+            <a:extLst>
+              <a:ext uri="{FF2B5EF4-FFF2-40B4-BE49-F238E27FC236}">
+                <a16:creationId xmlns:a16="http://schemas.microsoft.com/office/drawing/2014/main" id="{088650E5-8A84-F2CC-C6C9-E71B783AE1AD}"/>
+              </a:ext>
+            </a:extLst>
+          </p:cNvPr>
+          <p:cNvCxnSpPr>
+            <a:cxnSpLocks/>
+            <a:endCxn id="52" idx="2"/>
+          </p:cNvCxnSpPr>
+          <p:nvPr/>
+        </p:nvCxnSpPr>
+        <p:spPr>
+          <a:xfrm flipV="1">
+            <a:off x="10231085" y="4128487"/>
+            <a:ext cx="1150725" cy="240185"/>
+          </a:xfrm>
+          <a:prstGeom prst="straightConnector1">
+            <a:avLst/>
+          </a:prstGeom>
+          <a:ln>
+            <a:tailEnd type="triangle"/>
+          </a:ln>
+        </p:spPr>
+        <p:style>
+          <a:lnRef idx="2">
+            <a:schemeClr val="accent1"/>
+          </a:lnRef>
+          <a:fillRef idx="0">
+            <a:schemeClr val="accent1"/>
+          </a:fillRef>
+          <a:effectRef idx="1">
+            <a:schemeClr val="accent1"/>
+          </a:effectRef>
+          <a:fontRef idx="minor">
+            <a:schemeClr val="tx1"/>
+          </a:fontRef>
+        </p:style>
+      </p:cxnSp>
     </p:spTree>
     <p:extLst>
       <p:ext uri="{BB962C8B-B14F-4D97-AF65-F5344CB8AC3E}">
